--- a/aquila-ui/public/tutorial.pptx
+++ b/aquila-ui/public/tutorial.pptx
@@ -6,11 +6,17 @@
   </p:sldMasterIdLst>
   <p:sldIdLst>
     <p:sldId id="256" r:id="rId2"/>
-    <p:sldId id="257" r:id="rId3"/>
-    <p:sldId id="258" r:id="rId4"/>
-    <p:sldId id="259" r:id="rId5"/>
-    <p:sldId id="260" r:id="rId6"/>
-    <p:sldId id="261" r:id="rId7"/>
+    <p:sldId id="262" r:id="rId3"/>
+    <p:sldId id="263" r:id="rId4"/>
+    <p:sldId id="264" r:id="rId5"/>
+    <p:sldId id="265" r:id="rId6"/>
+    <p:sldId id="266" r:id="rId7"/>
+    <p:sldId id="267" r:id="rId8"/>
+    <p:sldId id="257" r:id="rId9"/>
+    <p:sldId id="258" r:id="rId10"/>
+    <p:sldId id="259" r:id="rId11"/>
+    <p:sldId id="260" r:id="rId12"/>
+    <p:sldId id="261" r:id="rId13"/>
   </p:sldIdLst>
   <p:sldSz cx="12192000" cy="6858000"/>
   <p:notesSz cx="6858000" cy="9144000"/>
@@ -109,6 +115,11 @@
       </a:defRPr>
     </a:lvl9pPr>
   </p:defaultTextStyle>
+  <p:extLst>
+    <p:ext uri="{EFAFB233-063F-42B5-8137-9DF3F51BA10A}">
+      <p15:sldGuideLst xmlns:p15="http://schemas.microsoft.com/office/powerpoint/2012/main"/>
+    </p:ext>
+  </p:extLst>
 </p:presentation>
 </file>
 
@@ -261,7 +272,7 @@
           <a:p>
             <a:fld id="{89940220-F381-4028-A27E-E8A44F7EE0B3}" type="datetimeFigureOut">
               <a:rPr lang="en-MO" smtClean="0"/>
-              <a:t>07/02/2022</a:t>
+              <a:t>13/06/2022</a:t>
             </a:fld>
             <a:endParaRPr lang="en-MO"/>
           </a:p>
@@ -461,7 +472,7 @@
           <a:p>
             <a:fld id="{89940220-F381-4028-A27E-E8A44F7EE0B3}" type="datetimeFigureOut">
               <a:rPr lang="en-MO" smtClean="0"/>
-              <a:t>07/02/2022</a:t>
+              <a:t>13/06/2022</a:t>
             </a:fld>
             <a:endParaRPr lang="en-MO"/>
           </a:p>
@@ -671,7 +682,7 @@
           <a:p>
             <a:fld id="{89940220-F381-4028-A27E-E8A44F7EE0B3}" type="datetimeFigureOut">
               <a:rPr lang="en-MO" smtClean="0"/>
-              <a:t>07/02/2022</a:t>
+              <a:t>13/06/2022</a:t>
             </a:fld>
             <a:endParaRPr lang="en-MO"/>
           </a:p>
@@ -871,7 +882,7 @@
           <a:p>
             <a:fld id="{89940220-F381-4028-A27E-E8A44F7EE0B3}" type="datetimeFigureOut">
               <a:rPr lang="en-MO" smtClean="0"/>
-              <a:t>07/02/2022</a:t>
+              <a:t>13/06/2022</a:t>
             </a:fld>
             <a:endParaRPr lang="en-MO"/>
           </a:p>
@@ -1147,7 +1158,7 @@
           <a:p>
             <a:fld id="{89940220-F381-4028-A27E-E8A44F7EE0B3}" type="datetimeFigureOut">
               <a:rPr lang="en-MO" smtClean="0"/>
-              <a:t>07/02/2022</a:t>
+              <a:t>13/06/2022</a:t>
             </a:fld>
             <a:endParaRPr lang="en-MO"/>
           </a:p>
@@ -1415,7 +1426,7 @@
           <a:p>
             <a:fld id="{89940220-F381-4028-A27E-E8A44F7EE0B3}" type="datetimeFigureOut">
               <a:rPr lang="en-MO" smtClean="0"/>
-              <a:t>07/02/2022</a:t>
+              <a:t>13/06/2022</a:t>
             </a:fld>
             <a:endParaRPr lang="en-MO"/>
           </a:p>
@@ -1830,7 +1841,7 @@
           <a:p>
             <a:fld id="{89940220-F381-4028-A27E-E8A44F7EE0B3}" type="datetimeFigureOut">
               <a:rPr lang="en-MO" smtClean="0"/>
-              <a:t>07/02/2022</a:t>
+              <a:t>13/06/2022</a:t>
             </a:fld>
             <a:endParaRPr lang="en-MO"/>
           </a:p>
@@ -1972,7 +1983,7 @@
           <a:p>
             <a:fld id="{89940220-F381-4028-A27E-E8A44F7EE0B3}" type="datetimeFigureOut">
               <a:rPr lang="en-MO" smtClean="0"/>
-              <a:t>07/02/2022</a:t>
+              <a:t>13/06/2022</a:t>
             </a:fld>
             <a:endParaRPr lang="en-MO"/>
           </a:p>
@@ -2085,7 +2096,7 @@
           <a:p>
             <a:fld id="{89940220-F381-4028-A27E-E8A44F7EE0B3}" type="datetimeFigureOut">
               <a:rPr lang="en-MO" smtClean="0"/>
-              <a:t>07/02/2022</a:t>
+              <a:t>13/06/2022</a:t>
             </a:fld>
             <a:endParaRPr lang="en-MO"/>
           </a:p>
@@ -2398,7 +2409,7 @@
           <a:p>
             <a:fld id="{89940220-F381-4028-A27E-E8A44F7EE0B3}" type="datetimeFigureOut">
               <a:rPr lang="en-MO" smtClean="0"/>
-              <a:t>07/02/2022</a:t>
+              <a:t>13/06/2022</a:t>
             </a:fld>
             <a:endParaRPr lang="en-MO"/>
           </a:p>
@@ -2687,7 +2698,7 @@
           <a:p>
             <a:fld id="{89940220-F381-4028-A27E-E8A44F7EE0B3}" type="datetimeFigureOut">
               <a:rPr lang="en-MO" smtClean="0"/>
-              <a:t>07/02/2022</a:t>
+              <a:t>13/06/2022</a:t>
             </a:fld>
             <a:endParaRPr lang="en-MO"/>
           </a:p>
@@ -2930,7 +2941,7 @@
           <a:p>
             <a:fld id="{89940220-F381-4028-A27E-E8A44F7EE0B3}" type="datetimeFigureOut">
               <a:rPr lang="en-MO" smtClean="0"/>
-              <a:t>07/02/2022</a:t>
+              <a:t>13/06/2022</a:t>
             </a:fld>
             <a:endParaRPr lang="en-MO"/>
           </a:p>
@@ -3349,10 +3360,10 @@
       </p:grpSpPr>
       <p:pic>
         <p:nvPicPr>
-          <p:cNvPr id="5" name="Picture 4">
-            <a:extLst>
-              <a:ext uri="{FF2B5EF4-FFF2-40B4-BE49-F238E27FC236}">
-                <a16:creationId xmlns:a16="http://schemas.microsoft.com/office/drawing/2014/main" id="{E019CC57-FC6C-485F-8E68-AA3B42F506ED}"/>
+          <p:cNvPr id="8" name="Picture 7">
+            <a:extLst>
+              <a:ext uri="{FF2B5EF4-FFF2-40B4-BE49-F238E27FC236}">
+                <a16:creationId xmlns:a16="http://schemas.microsoft.com/office/drawing/2014/main" id="{C484B67F-10C0-DEAA-F9DB-5538286DE8DD}"/>
               </a:ext>
             </a:extLst>
           </p:cNvPr>
@@ -3361,45 +3372,394 @@
           </p:cNvPicPr>
           <p:nvPr/>
         </p:nvPicPr>
-        <p:blipFill rotWithShape="1">
+        <p:blipFill>
           <a:blip r:embed="rId2"/>
-          <a:srcRect b="88749"/>
-          <a:stretch/>
+          <a:stretch>
+            <a:fillRect/>
+          </a:stretch>
         </p:blipFill>
         <p:spPr>
           <a:xfrm>
-            <a:off x="126693" y="653907"/>
-            <a:ext cx="11938614" cy="624477"/>
+            <a:off x="880945" y="785360"/>
+            <a:ext cx="10166873" cy="742988"/>
           </a:xfrm>
           <a:prstGeom prst="rect">
             <a:avLst/>
           </a:prstGeom>
         </p:spPr>
       </p:pic>
-      <p:sp>
-        <p:nvSpPr>
-          <p:cNvPr id="6" name="Rectangle 5">
-            <a:extLst>
-              <a:ext uri="{FF2B5EF4-FFF2-40B4-BE49-F238E27FC236}">
-                <a16:creationId xmlns:a16="http://schemas.microsoft.com/office/drawing/2014/main" id="{592DE6C1-629D-4191-8258-B6216FF6E0E8}"/>
-              </a:ext>
-            </a:extLst>
-          </p:cNvPr>
-          <p:cNvSpPr/>
+      <p:cxnSp>
+        <p:nvCxnSpPr>
+          <p:cNvPr id="17" name="Straight Connector 16">
+            <a:extLst>
+              <a:ext uri="{FF2B5EF4-FFF2-40B4-BE49-F238E27FC236}">
+                <a16:creationId xmlns:a16="http://schemas.microsoft.com/office/drawing/2014/main" id="{3B7BDBBF-9A37-3198-A675-ACF593418EF1}"/>
+              </a:ext>
+            </a:extLst>
+          </p:cNvPr>
+          <p:cNvCxnSpPr>
+            <a:cxnSpLocks/>
+          </p:cNvCxnSpPr>
           <p:nvPr/>
-        </p:nvSpPr>
-        <p:spPr>
-          <a:xfrm>
-            <a:off x="8207932" y="775723"/>
-            <a:ext cx="736720" cy="355359"/>
+        </p:nvCxnSpPr>
+        <p:spPr>
+          <a:xfrm>
+            <a:off x="6477000" y="1219200"/>
+            <a:ext cx="713509" cy="0"/>
+          </a:xfrm>
+          <a:prstGeom prst="line">
+            <a:avLst/>
+          </a:prstGeom>
+          <a:ln w="38100">
+            <a:solidFill>
+              <a:srgbClr val="FFC002"/>
+            </a:solidFill>
+          </a:ln>
+        </p:spPr>
+        <p:style>
+          <a:lnRef idx="1">
+            <a:schemeClr val="accent1"/>
+          </a:lnRef>
+          <a:fillRef idx="0">
+            <a:schemeClr val="accent1"/>
+          </a:fillRef>
+          <a:effectRef idx="0">
+            <a:schemeClr val="accent1"/>
+          </a:effectRef>
+          <a:fontRef idx="minor">
+            <a:schemeClr val="tx1"/>
+          </a:fontRef>
+        </p:style>
+      </p:cxnSp>
+      <p:cxnSp>
+        <p:nvCxnSpPr>
+          <p:cNvPr id="18" name="Straight Connector 17">
+            <a:extLst>
+              <a:ext uri="{FF2B5EF4-FFF2-40B4-BE49-F238E27FC236}">
+                <a16:creationId xmlns:a16="http://schemas.microsoft.com/office/drawing/2014/main" id="{B488CD60-63AC-2B97-F13B-19FF09CF4435}"/>
+              </a:ext>
+            </a:extLst>
+          </p:cNvPr>
+          <p:cNvCxnSpPr>
+            <a:cxnSpLocks/>
+          </p:cNvCxnSpPr>
+          <p:nvPr/>
+        </p:nvCxnSpPr>
+        <p:spPr>
+          <a:xfrm>
+            <a:off x="7349836" y="1219200"/>
+            <a:ext cx="1025236" cy="0"/>
+          </a:xfrm>
+          <a:prstGeom prst="line">
+            <a:avLst/>
+          </a:prstGeom>
+          <a:ln w="38100">
+            <a:solidFill>
+              <a:srgbClr val="FFC002"/>
+            </a:solidFill>
+          </a:ln>
+        </p:spPr>
+        <p:style>
+          <a:lnRef idx="1">
+            <a:schemeClr val="accent1"/>
+          </a:lnRef>
+          <a:fillRef idx="0">
+            <a:schemeClr val="accent1"/>
+          </a:fillRef>
+          <a:effectRef idx="0">
+            <a:schemeClr val="accent1"/>
+          </a:effectRef>
+          <a:fontRef idx="minor">
+            <a:schemeClr val="tx1"/>
+          </a:fontRef>
+        </p:style>
+      </p:cxnSp>
+      <p:sp>
+        <p:nvSpPr>
+          <p:cNvPr id="24" name="TextBox 23">
+            <a:extLst>
+              <a:ext uri="{FF2B5EF4-FFF2-40B4-BE49-F238E27FC236}">
+                <a16:creationId xmlns:a16="http://schemas.microsoft.com/office/drawing/2014/main" id="{4893F25A-0835-FA12-36DF-33C9082B0909}"/>
+              </a:ext>
+            </a:extLst>
+          </p:cNvPr>
+          <p:cNvSpPr txBox="1"/>
+          <p:nvPr/>
+        </p:nvSpPr>
+        <p:spPr>
+          <a:xfrm>
+            <a:off x="5687660" y="1389848"/>
+            <a:ext cx="1622612" cy="276999"/>
           </a:xfrm>
           <a:prstGeom prst="rect">
             <a:avLst/>
           </a:prstGeom>
           <a:noFill/>
-          <a:ln w="28575">
+        </p:spPr>
+        <p:txBody>
+          <a:bodyPr wrap="square" rtlCol="0">
+            <a:spAutoFit/>
+          </a:bodyPr>
+          <a:lstStyle/>
+          <a:p>
+            <a:pPr algn="r"/>
+            <a:r>
+              <a:rPr lang="en-US" sz="1200" b="1" dirty="0">
+                <a:solidFill>
+                  <a:srgbClr val="00B0F0"/>
+                </a:solidFill>
+                <a:latin typeface="IBM Plex Sans" panose="020B0503050203000203" pitchFamily="34" charset="0"/>
+              </a:rPr>
+              <a:t>View All Datasets</a:t>
+            </a:r>
+            <a:endParaRPr lang="en-MO" sz="1200" b="1" dirty="0">
+              <a:solidFill>
+                <a:srgbClr val="00B0F0"/>
+              </a:solidFill>
+              <a:latin typeface="IBM Plex Sans" panose="020B0503050203000203" pitchFamily="34" charset="0"/>
+            </a:endParaRPr>
+          </a:p>
+        </p:txBody>
+      </p:sp>
+      <p:sp>
+        <p:nvSpPr>
+          <p:cNvPr id="7" name="TextBox 6">
+            <a:extLst>
+              <a:ext uri="{FF2B5EF4-FFF2-40B4-BE49-F238E27FC236}">
+                <a16:creationId xmlns:a16="http://schemas.microsoft.com/office/drawing/2014/main" id="{9CC648FF-95A2-5AED-2793-0D781441907C}"/>
+              </a:ext>
+            </a:extLst>
+          </p:cNvPr>
+          <p:cNvSpPr txBox="1"/>
+          <p:nvPr/>
+        </p:nvSpPr>
+        <p:spPr>
+          <a:xfrm>
+            <a:off x="7270704" y="1389847"/>
+            <a:ext cx="1798560" cy="276999"/>
+          </a:xfrm>
+          <a:prstGeom prst="rect">
+            <a:avLst/>
+          </a:prstGeom>
+          <a:noFill/>
+        </p:spPr>
+        <p:txBody>
+          <a:bodyPr wrap="square" rtlCol="0">
+            <a:spAutoFit/>
+          </a:bodyPr>
+          <a:lstStyle/>
+          <a:p>
+            <a:r>
+              <a:rPr lang="en-US" sz="1200" b="1" dirty="0">
+                <a:solidFill>
+                  <a:srgbClr val="00B0F0"/>
+                </a:solidFill>
+                <a:latin typeface="IBM Plex Sans" panose="020B0503050203000203" pitchFamily="34" charset="0"/>
+              </a:rPr>
+              <a:t>View By Publications</a:t>
+            </a:r>
+            <a:endParaRPr lang="en-MO" sz="1200" b="1" dirty="0">
+              <a:solidFill>
+                <a:srgbClr val="00B0F0"/>
+              </a:solidFill>
+              <a:latin typeface="IBM Plex Sans" panose="020B0503050203000203" pitchFamily="34" charset="0"/>
+            </a:endParaRPr>
+          </a:p>
+        </p:txBody>
+      </p:sp>
+      <p:pic>
+        <p:nvPicPr>
+          <p:cNvPr id="6" name="Picture 5">
+            <a:extLst>
+              <a:ext uri="{FF2B5EF4-FFF2-40B4-BE49-F238E27FC236}">
+                <a16:creationId xmlns:a16="http://schemas.microsoft.com/office/drawing/2014/main" id="{F67FB894-DFD8-0C03-9100-92A4B4599680}"/>
+              </a:ext>
+            </a:extLst>
+          </p:cNvPr>
+          <p:cNvPicPr>
+            <a:picLocks noChangeAspect="1"/>
+          </p:cNvPicPr>
+          <p:nvPr/>
+        </p:nvPicPr>
+        <p:blipFill>
+          <a:blip r:embed="rId3"/>
+          <a:stretch>
+            <a:fillRect/>
+          </a:stretch>
+        </p:blipFill>
+        <p:spPr>
+          <a:xfrm>
+            <a:off x="2694770" y="2319881"/>
+            <a:ext cx="7291914" cy="3684692"/>
+          </a:xfrm>
+          <a:prstGeom prst="rect">
+            <a:avLst/>
+          </a:prstGeom>
+        </p:spPr>
+      </p:pic>
+      <p:sp>
+        <p:nvSpPr>
+          <p:cNvPr id="14" name="TextBox 13">
+            <a:extLst>
+              <a:ext uri="{FF2B5EF4-FFF2-40B4-BE49-F238E27FC236}">
+                <a16:creationId xmlns:a16="http://schemas.microsoft.com/office/drawing/2014/main" id="{9F1A69B8-66D4-8C2F-C418-9CDE4BF1ED3A}"/>
+              </a:ext>
+            </a:extLst>
+          </p:cNvPr>
+          <p:cNvSpPr txBox="1"/>
+          <p:nvPr/>
+        </p:nvSpPr>
+        <p:spPr>
+          <a:xfrm>
+            <a:off x="2789582" y="2516077"/>
+            <a:ext cx="716493" cy="276999"/>
+          </a:xfrm>
+          <a:prstGeom prst="rect">
+            <a:avLst/>
+          </a:prstGeom>
+          <a:noFill/>
+        </p:spPr>
+        <p:txBody>
+          <a:bodyPr wrap="square" rtlCol="0">
+            <a:spAutoFit/>
+          </a:bodyPr>
+          <a:lstStyle/>
+          <a:p>
+            <a:pPr algn="r"/>
+            <a:r>
+              <a:rPr lang="en-US" sz="1200" b="1" dirty="0">
+                <a:solidFill>
+                  <a:srgbClr val="00B0F0"/>
+                </a:solidFill>
+                <a:latin typeface="IBM Plex Sans" panose="020B0503050203000203" pitchFamily="34" charset="0"/>
+              </a:rPr>
+              <a:t>Search</a:t>
+            </a:r>
+            <a:endParaRPr lang="en-MO" sz="1200" b="1" dirty="0">
+              <a:solidFill>
+                <a:srgbClr val="00B0F0"/>
+              </a:solidFill>
+              <a:latin typeface="IBM Plex Sans" panose="020B0503050203000203" pitchFamily="34" charset="0"/>
+            </a:endParaRPr>
+          </a:p>
+        </p:txBody>
+      </p:sp>
+      <p:sp>
+        <p:nvSpPr>
+          <p:cNvPr id="15" name="TextBox 14">
+            <a:extLst>
+              <a:ext uri="{FF2B5EF4-FFF2-40B4-BE49-F238E27FC236}">
+                <a16:creationId xmlns:a16="http://schemas.microsoft.com/office/drawing/2014/main" id="{9AC01995-1472-13EB-175A-28E779CCB15D}"/>
+              </a:ext>
+            </a:extLst>
+          </p:cNvPr>
+          <p:cNvSpPr txBox="1"/>
+          <p:nvPr/>
+        </p:nvSpPr>
+        <p:spPr>
+          <a:xfrm>
+            <a:off x="9581322" y="4187689"/>
+            <a:ext cx="639454" cy="276999"/>
+          </a:xfrm>
+          <a:prstGeom prst="rect">
+            <a:avLst/>
+          </a:prstGeom>
+          <a:noFill/>
+        </p:spPr>
+        <p:txBody>
+          <a:bodyPr wrap="square" rtlCol="0">
+            <a:spAutoFit/>
+          </a:bodyPr>
+          <a:lstStyle/>
+          <a:p>
+            <a:r>
+              <a:rPr lang="en-US" sz="1200" b="1" dirty="0">
+                <a:solidFill>
+                  <a:srgbClr val="00B0F0"/>
+                </a:solidFill>
+                <a:latin typeface="IBM Plex Sans" panose="020B0503050203000203" pitchFamily="34" charset="0"/>
+              </a:rPr>
+              <a:t>Filter</a:t>
+            </a:r>
+            <a:endParaRPr lang="en-MO" sz="1200" b="1" dirty="0">
+              <a:solidFill>
+                <a:srgbClr val="00B0F0"/>
+              </a:solidFill>
+              <a:latin typeface="IBM Plex Sans" panose="020B0503050203000203" pitchFamily="34" charset="0"/>
+            </a:endParaRPr>
+          </a:p>
+        </p:txBody>
+      </p:sp>
+      <p:sp>
+        <p:nvSpPr>
+          <p:cNvPr id="16" name="TextBox 15">
+            <a:extLst>
+              <a:ext uri="{FF2B5EF4-FFF2-40B4-BE49-F238E27FC236}">
+                <a16:creationId xmlns:a16="http://schemas.microsoft.com/office/drawing/2014/main" id="{DD929371-0476-12C0-1CE5-20B77F620A95}"/>
+              </a:ext>
+            </a:extLst>
+          </p:cNvPr>
+          <p:cNvSpPr txBox="1"/>
+          <p:nvPr/>
+        </p:nvSpPr>
+        <p:spPr>
+          <a:xfrm>
+            <a:off x="9175378" y="2517304"/>
+            <a:ext cx="644483" cy="276999"/>
+          </a:xfrm>
+          <a:prstGeom prst="rect">
+            <a:avLst/>
+          </a:prstGeom>
+          <a:noFill/>
+        </p:spPr>
+        <p:txBody>
+          <a:bodyPr wrap="square" rtlCol="0">
+            <a:spAutoFit/>
+          </a:bodyPr>
+          <a:lstStyle/>
+          <a:p>
+            <a:r>
+              <a:rPr lang="en-US" sz="1200" b="1" dirty="0">
+                <a:solidFill>
+                  <a:srgbClr val="00B0F0"/>
+                </a:solidFill>
+                <a:latin typeface="IBM Plex Sans" panose="020B0503050203000203" pitchFamily="34" charset="0"/>
+              </a:rPr>
+              <a:t>Sort</a:t>
+            </a:r>
+            <a:endParaRPr lang="en-MO" sz="1200" b="1" dirty="0">
+              <a:solidFill>
+                <a:srgbClr val="00B0F0"/>
+              </a:solidFill>
+              <a:latin typeface="IBM Plex Sans" panose="020B0503050203000203" pitchFamily="34" charset="0"/>
+            </a:endParaRPr>
+          </a:p>
+        </p:txBody>
+      </p:sp>
+      <p:sp>
+        <p:nvSpPr>
+          <p:cNvPr id="10" name="Rectangle 9">
+            <a:extLst>
+              <a:ext uri="{FF2B5EF4-FFF2-40B4-BE49-F238E27FC236}">
+                <a16:creationId xmlns:a16="http://schemas.microsoft.com/office/drawing/2014/main" id="{FB696A59-1256-5320-058B-CC193DE13939}"/>
+              </a:ext>
+            </a:extLst>
+          </p:cNvPr>
+          <p:cNvSpPr/>
+          <p:nvPr/>
+        </p:nvSpPr>
+        <p:spPr>
+          <a:xfrm>
+            <a:off x="3506076" y="2422519"/>
+            <a:ext cx="4248395" cy="464115"/>
+          </a:xfrm>
+          <a:prstGeom prst="rect">
+            <a:avLst/>
+          </a:prstGeom>
+          <a:noFill/>
+          <a:ln w="19050">
             <a:solidFill>
-              <a:srgbClr val="FB8B00"/>
+              <a:srgbClr val="FFC002"/>
             </a:solidFill>
           </a:ln>
         </p:spPr>
@@ -3424,149 +3784,38 @@
           <a:lstStyle/>
           <a:p>
             <a:pPr algn="ctr"/>
-            <a:endParaRPr lang="en-MO"/>
-          </a:p>
-        </p:txBody>
-      </p:sp>
-      <p:sp>
-        <p:nvSpPr>
-          <p:cNvPr id="7" name="TextBox 6">
-            <a:extLst>
-              <a:ext uri="{FF2B5EF4-FFF2-40B4-BE49-F238E27FC236}">
-                <a16:creationId xmlns:a16="http://schemas.microsoft.com/office/drawing/2014/main" id="{A57FC37D-0732-475D-912B-BDD8133D6A70}"/>
-              </a:ext>
-            </a:extLst>
-          </p:cNvPr>
-          <p:cNvSpPr txBox="1"/>
+            <a:endParaRPr lang="en-MO">
+              <a:solidFill>
+                <a:srgbClr val="00B0F0"/>
+              </a:solidFill>
+            </a:endParaRPr>
+          </a:p>
+        </p:txBody>
+      </p:sp>
+      <p:sp>
+        <p:nvSpPr>
+          <p:cNvPr id="19" name="Rectangle 18">
+            <a:extLst>
+              <a:ext uri="{FF2B5EF4-FFF2-40B4-BE49-F238E27FC236}">
+                <a16:creationId xmlns:a16="http://schemas.microsoft.com/office/drawing/2014/main" id="{A84590E7-150A-9BBB-B98E-ECB118BBF9C5}"/>
+              </a:ext>
+            </a:extLst>
+          </p:cNvPr>
+          <p:cNvSpPr/>
           <p:nvPr/>
         </p:nvSpPr>
         <p:spPr>
           <a:xfrm>
-            <a:off x="6992915" y="1380168"/>
-            <a:ext cx="1092530" cy="369332"/>
+            <a:off x="7794504" y="2422519"/>
+            <a:ext cx="1391873" cy="464115"/>
           </a:xfrm>
           <a:prstGeom prst="rect">
             <a:avLst/>
           </a:prstGeom>
           <a:noFill/>
-        </p:spPr>
-        <p:txBody>
-          <a:bodyPr wrap="square" rtlCol="0">
-            <a:spAutoFit/>
-          </a:bodyPr>
-          <a:lstStyle/>
-          <a:p>
-            <a:r>
-              <a:rPr lang="en-US" b="1" dirty="0">
-                <a:solidFill>
-                  <a:srgbClr val="FB8B00"/>
-                </a:solidFill>
-              </a:rPr>
-              <a:t>Click this</a:t>
-            </a:r>
-            <a:endParaRPr lang="en-MO" b="1" dirty="0">
-              <a:solidFill>
-                <a:srgbClr val="FB8B00"/>
-              </a:solidFill>
-            </a:endParaRPr>
-          </a:p>
-        </p:txBody>
-      </p:sp>
-      <p:cxnSp>
-        <p:nvCxnSpPr>
-          <p:cNvPr id="9" name="Straight Arrow Connector 8">
-            <a:extLst>
-              <a:ext uri="{FF2B5EF4-FFF2-40B4-BE49-F238E27FC236}">
-                <a16:creationId xmlns:a16="http://schemas.microsoft.com/office/drawing/2014/main" id="{0F030932-3BC2-4C41-8A2A-E7B55C6BBAF7}"/>
-              </a:ext>
-            </a:extLst>
-          </p:cNvPr>
-          <p:cNvCxnSpPr/>
-          <p:nvPr/>
-        </p:nvCxnSpPr>
-        <p:spPr>
-          <a:xfrm flipV="1">
-            <a:off x="7989064" y="1180266"/>
-            <a:ext cx="437736" cy="399803"/>
-          </a:xfrm>
-          <a:prstGeom prst="straightConnector1">
-            <a:avLst/>
-          </a:prstGeom>
-          <a:ln w="28575">
+          <a:ln w="19050">
             <a:solidFill>
-              <a:srgbClr val="FB8B00"/>
-            </a:solidFill>
-            <a:tailEnd type="triangle"/>
-          </a:ln>
-        </p:spPr>
-        <p:style>
-          <a:lnRef idx="1">
-            <a:schemeClr val="accent1"/>
-          </a:lnRef>
-          <a:fillRef idx="0">
-            <a:schemeClr val="accent1"/>
-          </a:fillRef>
-          <a:effectRef idx="0">
-            <a:schemeClr val="accent1"/>
-          </a:effectRef>
-          <a:fontRef idx="minor">
-            <a:schemeClr val="tx1"/>
-          </a:fontRef>
-        </p:style>
-      </p:cxnSp>
-      <p:pic>
-        <p:nvPicPr>
-          <p:cNvPr id="10" name="Picture 9">
-            <a:extLst>
-              <a:ext uri="{FF2B5EF4-FFF2-40B4-BE49-F238E27FC236}">
-                <a16:creationId xmlns:a16="http://schemas.microsoft.com/office/drawing/2014/main" id="{83CAD552-B253-4268-8E50-F52FEFD5DAD9}"/>
-              </a:ext>
-            </a:extLst>
-          </p:cNvPr>
-          <p:cNvPicPr>
-            <a:picLocks noChangeAspect="1"/>
-          </p:cNvPicPr>
-          <p:nvPr/>
-        </p:nvPicPr>
-        <p:blipFill rotWithShape="1">
-          <a:blip r:embed="rId2"/>
-          <a:srcRect b="88749"/>
-          <a:stretch/>
-        </p:blipFill>
-        <p:spPr>
-          <a:xfrm>
-            <a:off x="0" y="2643985"/>
-            <a:ext cx="11938614" cy="624477"/>
-          </a:xfrm>
-          <a:prstGeom prst="rect">
-            <a:avLst/>
-          </a:prstGeom>
-        </p:spPr>
-      </p:pic>
-      <p:sp>
-        <p:nvSpPr>
-          <p:cNvPr id="11" name="Rectangle 10">
-            <a:extLst>
-              <a:ext uri="{FF2B5EF4-FFF2-40B4-BE49-F238E27FC236}">
-                <a16:creationId xmlns:a16="http://schemas.microsoft.com/office/drawing/2014/main" id="{438F5569-527A-4825-98C4-D1D45109D412}"/>
-              </a:ext>
-            </a:extLst>
-          </p:cNvPr>
-          <p:cNvSpPr/>
-          <p:nvPr/>
-        </p:nvSpPr>
-        <p:spPr>
-          <a:xfrm>
-            <a:off x="8977882" y="2767990"/>
-            <a:ext cx="736720" cy="355359"/>
-          </a:xfrm>
-          <a:prstGeom prst="rect">
-            <a:avLst/>
-          </a:prstGeom>
-          <a:noFill/>
-          <a:ln w="28575">
-            <a:solidFill>
-              <a:srgbClr val="FB8B00"/>
+              <a:srgbClr val="FFC002"/>
             </a:solidFill>
           </a:ln>
         </p:spPr>
@@ -3591,100 +3840,394 @@
           <a:lstStyle/>
           <a:p>
             <a:pPr algn="ctr"/>
-            <a:endParaRPr lang="en-MO"/>
-          </a:p>
-        </p:txBody>
-      </p:sp>
-      <p:sp>
-        <p:nvSpPr>
-          <p:cNvPr id="12" name="TextBox 11">
-            <a:extLst>
-              <a:ext uri="{FF2B5EF4-FFF2-40B4-BE49-F238E27FC236}">
-                <a16:creationId xmlns:a16="http://schemas.microsoft.com/office/drawing/2014/main" id="{B782C4D6-5AF6-4D48-B256-10A03896124E}"/>
-              </a:ext>
-            </a:extLst>
-          </p:cNvPr>
-          <p:cNvSpPr txBox="1"/>
+            <a:endParaRPr lang="en-MO">
+              <a:solidFill>
+                <a:srgbClr val="00B0F0"/>
+              </a:solidFill>
+            </a:endParaRPr>
+          </a:p>
+        </p:txBody>
+      </p:sp>
+      <p:sp>
+        <p:nvSpPr>
+          <p:cNvPr id="20" name="Rectangle 19">
+            <a:extLst>
+              <a:ext uri="{FF2B5EF4-FFF2-40B4-BE49-F238E27FC236}">
+                <a16:creationId xmlns:a16="http://schemas.microsoft.com/office/drawing/2014/main" id="{FB14E16E-5E41-7C17-07AA-85880F8D5CB1}"/>
+              </a:ext>
+            </a:extLst>
+          </p:cNvPr>
+          <p:cNvSpPr/>
           <p:nvPr/>
         </p:nvSpPr>
         <p:spPr>
           <a:xfrm>
-            <a:off x="7807255" y="3372435"/>
-            <a:ext cx="1092530" cy="369332"/>
+            <a:off x="2928862" y="3066587"/>
+            <a:ext cx="6652460" cy="2519204"/>
           </a:xfrm>
           <a:prstGeom prst="rect">
             <a:avLst/>
           </a:prstGeom>
           <a:noFill/>
-        </p:spPr>
-        <p:txBody>
-          <a:bodyPr wrap="square" rtlCol="0">
-            <a:spAutoFit/>
-          </a:bodyPr>
-          <a:lstStyle/>
-          <a:p>
-            <a:r>
-              <a:rPr lang="en-US" b="1" dirty="0">
-                <a:solidFill>
-                  <a:srgbClr val="FB8B00"/>
-                </a:solidFill>
-              </a:rPr>
-              <a:t>Click this</a:t>
-            </a:r>
-            <a:endParaRPr lang="en-MO" b="1" dirty="0">
-              <a:solidFill>
-                <a:srgbClr val="FB8B00"/>
-              </a:solidFill>
-            </a:endParaRPr>
-          </a:p>
-        </p:txBody>
-      </p:sp>
-      <p:cxnSp>
-        <p:nvCxnSpPr>
-          <p:cNvPr id="13" name="Straight Arrow Connector 12">
-            <a:extLst>
-              <a:ext uri="{FF2B5EF4-FFF2-40B4-BE49-F238E27FC236}">
-                <a16:creationId xmlns:a16="http://schemas.microsoft.com/office/drawing/2014/main" id="{EB36780F-A3AE-4F05-A293-C410B10044B9}"/>
-              </a:ext>
-            </a:extLst>
-          </p:cNvPr>
-          <p:cNvCxnSpPr/>
-          <p:nvPr/>
-        </p:nvCxnSpPr>
-        <p:spPr>
-          <a:xfrm flipV="1">
-            <a:off x="8803404" y="3172533"/>
-            <a:ext cx="437736" cy="399803"/>
-          </a:xfrm>
-          <a:prstGeom prst="straightConnector1">
-            <a:avLst/>
-          </a:prstGeom>
-          <a:ln w="28575">
+          <a:ln w="19050">
             <a:solidFill>
-              <a:srgbClr val="FB8B00"/>
+              <a:srgbClr val="FFC002"/>
             </a:solidFill>
-            <a:tailEnd type="triangle"/>
           </a:ln>
         </p:spPr>
         <p:style>
-          <a:lnRef idx="1">
-            <a:schemeClr val="accent1"/>
+          <a:lnRef idx="2">
+            <a:schemeClr val="accent1">
+              <a:shade val="50000"/>
+            </a:schemeClr>
           </a:lnRef>
-          <a:fillRef idx="0">
+          <a:fillRef idx="1">
             <a:schemeClr val="accent1"/>
           </a:fillRef>
           <a:effectRef idx="0">
             <a:schemeClr val="accent1"/>
           </a:effectRef>
           <a:fontRef idx="minor">
-            <a:schemeClr val="tx1"/>
+            <a:schemeClr val="lt1"/>
           </a:fontRef>
         </p:style>
-      </p:cxnSp>
+        <p:txBody>
+          <a:bodyPr rtlCol="0" anchor="ctr"/>
+          <a:lstStyle/>
+          <a:p>
+            <a:pPr algn="ctr"/>
+            <a:endParaRPr lang="en-MO">
+              <a:solidFill>
+                <a:srgbClr val="00B0F0"/>
+              </a:solidFill>
+            </a:endParaRPr>
+          </a:p>
+        </p:txBody>
+      </p:sp>
     </p:spTree>
     <p:extLst>
       <p:ext uri="{BB962C8B-B14F-4D97-AF65-F5344CB8AC3E}">
         <p14:creationId xmlns:p14="http://schemas.microsoft.com/office/powerpoint/2010/main" val="2517497879"/>
+      </p:ext>
+    </p:extLst>
+  </p:cSld>
+  <p:clrMapOvr>
+    <a:masterClrMapping/>
+  </p:clrMapOvr>
+</p:sld>
+</file>
+
+<file path=ppt/slides/slide10.xml><?xml version="1.0" encoding="utf-8"?>
+<p:sld xmlns:a="http://schemas.openxmlformats.org/drawingml/2006/main" xmlns:r="http://schemas.openxmlformats.org/officeDocument/2006/relationships" xmlns:p="http://schemas.openxmlformats.org/presentationml/2006/main">
+  <p:cSld>
+    <p:spTree>
+      <p:nvGrpSpPr>
+        <p:cNvPr id="1" name=""/>
+        <p:cNvGrpSpPr/>
+        <p:nvPr/>
+      </p:nvGrpSpPr>
+      <p:grpSpPr>
+        <a:xfrm>
+          <a:off x="0" y="0"/>
+          <a:ext cx="0" cy="0"/>
+          <a:chOff x="0" y="0"/>
+          <a:chExt cx="0" cy="0"/>
+        </a:xfrm>
+      </p:grpSpPr>
+      <p:pic>
+        <p:nvPicPr>
+          <p:cNvPr id="3" name="Picture 2">
+            <a:extLst>
+              <a:ext uri="{FF2B5EF4-FFF2-40B4-BE49-F238E27FC236}">
+                <a16:creationId xmlns:a16="http://schemas.microsoft.com/office/drawing/2014/main" id="{E102689E-5F63-4E16-BB81-0C682E98E125}"/>
+              </a:ext>
+            </a:extLst>
+          </p:cNvPr>
+          <p:cNvPicPr>
+            <a:picLocks noChangeAspect="1"/>
+          </p:cNvPicPr>
+          <p:nvPr/>
+        </p:nvPicPr>
+        <p:blipFill>
+          <a:blip r:embed="rId2"/>
+          <a:stretch>
+            <a:fillRect/>
+          </a:stretch>
+        </p:blipFill>
+        <p:spPr>
+          <a:xfrm>
+            <a:off x="370206" y="221229"/>
+            <a:ext cx="3581584" cy="4997707"/>
+          </a:xfrm>
+          <a:prstGeom prst="rect">
+            <a:avLst/>
+          </a:prstGeom>
+        </p:spPr>
+      </p:pic>
+      <p:grpSp>
+        <p:nvGrpSpPr>
+          <p:cNvPr id="12" name="Group 11">
+            <a:extLst>
+              <a:ext uri="{FF2B5EF4-FFF2-40B4-BE49-F238E27FC236}">
+                <a16:creationId xmlns:a16="http://schemas.microsoft.com/office/drawing/2014/main" id="{814D06F3-2211-4DCC-8EFF-110899D1F7FF}"/>
+              </a:ext>
+            </a:extLst>
+          </p:cNvPr>
+          <p:cNvGrpSpPr/>
+          <p:nvPr/>
+        </p:nvGrpSpPr>
+        <p:grpSpPr>
+          <a:xfrm>
+            <a:off x="4292053" y="221229"/>
+            <a:ext cx="7429882" cy="4997707"/>
+            <a:chOff x="4292053" y="221229"/>
+            <a:chExt cx="7429882" cy="4997707"/>
+          </a:xfrm>
+        </p:grpSpPr>
+        <p:pic>
+          <p:nvPicPr>
+            <p:cNvPr id="5" name="Picture 4">
+              <a:extLst>
+                <a:ext uri="{FF2B5EF4-FFF2-40B4-BE49-F238E27FC236}">
+                  <a16:creationId xmlns:a16="http://schemas.microsoft.com/office/drawing/2014/main" id="{66077222-0655-481A-9D53-065A0F5138A4}"/>
+                </a:ext>
+              </a:extLst>
+            </p:cNvPr>
+            <p:cNvPicPr>
+              <a:picLocks noChangeAspect="1"/>
+            </p:cNvPicPr>
+            <p:nvPr/>
+          </p:nvPicPr>
+          <p:blipFill>
+            <a:blip r:embed="rId3"/>
+            <a:stretch>
+              <a:fillRect/>
+            </a:stretch>
+          </p:blipFill>
+          <p:spPr>
+            <a:xfrm>
+              <a:off x="4292053" y="221229"/>
+              <a:ext cx="7429882" cy="4997707"/>
+            </a:xfrm>
+            <a:prstGeom prst="rect">
+              <a:avLst/>
+            </a:prstGeom>
+          </p:spPr>
+        </p:pic>
+        <p:sp>
+          <p:nvSpPr>
+            <p:cNvPr id="6" name="TextBox 5">
+              <a:extLst>
+                <a:ext uri="{FF2B5EF4-FFF2-40B4-BE49-F238E27FC236}">
+                  <a16:creationId xmlns:a16="http://schemas.microsoft.com/office/drawing/2014/main" id="{95DB4729-DED1-4609-B6B7-6D4E63E081C1}"/>
+                </a:ext>
+              </a:extLst>
+            </p:cNvPr>
+            <p:cNvSpPr txBox="1"/>
+            <p:nvPr/>
+          </p:nvSpPr>
+          <p:spPr>
+            <a:xfrm>
+              <a:off x="9851524" y="1717519"/>
+              <a:ext cx="1245564" cy="369332"/>
+            </a:xfrm>
+            <a:prstGeom prst="rect">
+              <a:avLst/>
+            </a:prstGeom>
+            <a:noFill/>
+          </p:spPr>
+          <p:txBody>
+            <a:bodyPr wrap="square" rtlCol="0">
+              <a:spAutoFit/>
+            </a:bodyPr>
+            <a:lstStyle/>
+            <a:p>
+              <a:r>
+                <a:rPr lang="en-US" b="1" dirty="0">
+                  <a:solidFill>
+                    <a:srgbClr val="FB8B00"/>
+                  </a:solidFill>
+                </a:rPr>
+                <a:t>Click these</a:t>
+              </a:r>
+              <a:endParaRPr lang="en-MO" b="1" dirty="0">
+                <a:solidFill>
+                  <a:srgbClr val="FB8B00"/>
+                </a:solidFill>
+              </a:endParaRPr>
+            </a:p>
+          </p:txBody>
+        </p:sp>
+        <p:cxnSp>
+          <p:nvCxnSpPr>
+            <p:cNvPr id="7" name="Straight Arrow Connector 6">
+              <a:extLst>
+                <a:ext uri="{FF2B5EF4-FFF2-40B4-BE49-F238E27FC236}">
+                  <a16:creationId xmlns:a16="http://schemas.microsoft.com/office/drawing/2014/main" id="{29144077-13A5-4E01-BE3C-697E440E9202}"/>
+                </a:ext>
+              </a:extLst>
+            </p:cNvPr>
+            <p:cNvCxnSpPr>
+              <a:cxnSpLocks/>
+              <a:stCxn id="6" idx="1"/>
+            </p:cNvCxnSpPr>
+            <p:nvPr/>
+          </p:nvCxnSpPr>
+          <p:spPr>
+            <a:xfrm flipH="1" flipV="1">
+              <a:off x="9179511" y="1544715"/>
+              <a:ext cx="672013" cy="357470"/>
+            </a:xfrm>
+            <a:prstGeom prst="straightConnector1">
+              <a:avLst/>
+            </a:prstGeom>
+            <a:ln w="28575">
+              <a:solidFill>
+                <a:srgbClr val="FB8B00"/>
+              </a:solidFill>
+              <a:tailEnd type="triangle"/>
+            </a:ln>
+          </p:spPr>
+          <p:style>
+            <a:lnRef idx="1">
+              <a:schemeClr val="accent1"/>
+            </a:lnRef>
+            <a:fillRef idx="0">
+              <a:schemeClr val="accent1"/>
+            </a:fillRef>
+            <a:effectRef idx="0">
+              <a:schemeClr val="accent1"/>
+            </a:effectRef>
+            <a:fontRef idx="minor">
+              <a:schemeClr val="tx1"/>
+            </a:fontRef>
+          </p:style>
+        </p:cxnSp>
+      </p:grpSp>
+    </p:spTree>
+    <p:extLst>
+      <p:ext uri="{BB962C8B-B14F-4D97-AF65-F5344CB8AC3E}">
+        <p14:creationId xmlns:p14="http://schemas.microsoft.com/office/powerpoint/2010/main" val="3711323051"/>
+      </p:ext>
+    </p:extLst>
+  </p:cSld>
+  <p:clrMapOvr>
+    <a:masterClrMapping/>
+  </p:clrMapOvr>
+</p:sld>
+</file>
+
+<file path=ppt/slides/slide11.xml><?xml version="1.0" encoding="utf-8"?>
+<p:sld xmlns:a="http://schemas.openxmlformats.org/drawingml/2006/main" xmlns:r="http://schemas.openxmlformats.org/officeDocument/2006/relationships" xmlns:p="http://schemas.openxmlformats.org/presentationml/2006/main">
+  <p:cSld>
+    <p:spTree>
+      <p:nvGrpSpPr>
+        <p:cNvPr id="1" name=""/>
+        <p:cNvGrpSpPr/>
+        <p:nvPr/>
+      </p:nvGrpSpPr>
+      <p:grpSpPr>
+        <a:xfrm>
+          <a:off x="0" y="0"/>
+          <a:ext cx="0" cy="0"/>
+          <a:chOff x="0" y="0"/>
+          <a:chExt cx="0" cy="0"/>
+        </a:xfrm>
+      </p:grpSpPr>
+      <p:pic>
+        <p:nvPicPr>
+          <p:cNvPr id="3" name="Picture 2">
+            <a:extLst>
+              <a:ext uri="{FF2B5EF4-FFF2-40B4-BE49-F238E27FC236}">
+                <a16:creationId xmlns:a16="http://schemas.microsoft.com/office/drawing/2014/main" id="{2F9C60F4-D233-459D-A95C-DA94C115C992}"/>
+              </a:ext>
+            </a:extLst>
+          </p:cNvPr>
+          <p:cNvPicPr>
+            <a:picLocks noChangeAspect="1"/>
+          </p:cNvPicPr>
+          <p:nvPr/>
+        </p:nvPicPr>
+        <p:blipFill>
+          <a:blip r:embed="rId2"/>
+          <a:stretch>
+            <a:fillRect/>
+          </a:stretch>
+        </p:blipFill>
+        <p:spPr>
+          <a:xfrm>
+            <a:off x="2771604" y="1130182"/>
+            <a:ext cx="6648792" cy="4597636"/>
+          </a:xfrm>
+          <a:prstGeom prst="rect">
+            <a:avLst/>
+          </a:prstGeom>
+        </p:spPr>
+      </p:pic>
+    </p:spTree>
+    <p:extLst>
+      <p:ext uri="{BB962C8B-B14F-4D97-AF65-F5344CB8AC3E}">
+        <p14:creationId xmlns:p14="http://schemas.microsoft.com/office/powerpoint/2010/main" val="1415510290"/>
+      </p:ext>
+    </p:extLst>
+  </p:cSld>
+  <p:clrMapOvr>
+    <a:masterClrMapping/>
+  </p:clrMapOvr>
+</p:sld>
+</file>
+
+<file path=ppt/slides/slide12.xml><?xml version="1.0" encoding="utf-8"?>
+<p:sld xmlns:a="http://schemas.openxmlformats.org/drawingml/2006/main" xmlns:r="http://schemas.openxmlformats.org/officeDocument/2006/relationships" xmlns:p="http://schemas.openxmlformats.org/presentationml/2006/main">
+  <p:cSld>
+    <p:spTree>
+      <p:nvGrpSpPr>
+        <p:cNvPr id="1" name=""/>
+        <p:cNvGrpSpPr/>
+        <p:nvPr/>
+      </p:nvGrpSpPr>
+      <p:grpSpPr>
+        <a:xfrm>
+          <a:off x="0" y="0"/>
+          <a:ext cx="0" cy="0"/>
+          <a:chOff x="0" y="0"/>
+          <a:chExt cx="0" cy="0"/>
+        </a:xfrm>
+      </p:grpSpPr>
+      <p:pic>
+        <p:nvPicPr>
+          <p:cNvPr id="3" name="Picture 2">
+            <a:extLst>
+              <a:ext uri="{FF2B5EF4-FFF2-40B4-BE49-F238E27FC236}">
+                <a16:creationId xmlns:a16="http://schemas.microsoft.com/office/drawing/2014/main" id="{8B802D29-9E84-433A-B4EA-A759A8DB5C1A}"/>
+              </a:ext>
+            </a:extLst>
+          </p:cNvPr>
+          <p:cNvPicPr>
+            <a:picLocks noChangeAspect="1"/>
+          </p:cNvPicPr>
+          <p:nvPr/>
+        </p:nvPicPr>
+        <p:blipFill>
+          <a:blip r:embed="rId2"/>
+          <a:stretch>
+            <a:fillRect/>
+          </a:stretch>
+        </p:blipFill>
+        <p:spPr>
+          <a:xfrm>
+            <a:off x="2006390" y="1488975"/>
+            <a:ext cx="8179220" cy="3880049"/>
+          </a:xfrm>
+          <a:prstGeom prst="rect">
+            <a:avLst/>
+          </a:prstGeom>
+        </p:spPr>
+      </p:pic>
+    </p:spTree>
+    <p:extLst>
+      <p:ext uri="{BB962C8B-B14F-4D97-AF65-F5344CB8AC3E}">
+        <p14:creationId xmlns:p14="http://schemas.microsoft.com/office/powerpoint/2010/main" val="2988114243"/>
       </p:ext>
     </p:extLst>
   </p:cSld>
@@ -3713,6 +4256,1097 @@
       </p:grpSpPr>
       <p:pic>
         <p:nvPicPr>
+          <p:cNvPr id="5" name="Picture 4">
+            <a:extLst>
+              <a:ext uri="{FF2B5EF4-FFF2-40B4-BE49-F238E27FC236}">
+                <a16:creationId xmlns:a16="http://schemas.microsoft.com/office/drawing/2014/main" id="{6CBF9A14-9FDC-0E51-635A-B6F1E96D1EC2}"/>
+              </a:ext>
+            </a:extLst>
+          </p:cNvPr>
+          <p:cNvPicPr>
+            <a:picLocks noChangeAspect="1"/>
+          </p:cNvPicPr>
+          <p:nvPr/>
+        </p:nvPicPr>
+        <p:blipFill>
+          <a:blip r:embed="rId2"/>
+          <a:stretch>
+            <a:fillRect/>
+          </a:stretch>
+        </p:blipFill>
+        <p:spPr>
+          <a:xfrm>
+            <a:off x="3070219" y="1876227"/>
+            <a:ext cx="5600988" cy="2336920"/>
+          </a:xfrm>
+          <a:prstGeom prst="rect">
+            <a:avLst/>
+          </a:prstGeom>
+        </p:spPr>
+      </p:pic>
+      <p:sp>
+        <p:nvSpPr>
+          <p:cNvPr id="6" name="TextBox 5">
+            <a:extLst>
+              <a:ext uri="{FF2B5EF4-FFF2-40B4-BE49-F238E27FC236}">
+                <a16:creationId xmlns:a16="http://schemas.microsoft.com/office/drawing/2014/main" id="{0AD117ED-9368-CD2B-98FB-F77D0D330909}"/>
+              </a:ext>
+            </a:extLst>
+          </p:cNvPr>
+          <p:cNvSpPr txBox="1"/>
+          <p:nvPr/>
+        </p:nvSpPr>
+        <p:spPr>
+          <a:xfrm>
+            <a:off x="3405809" y="1652236"/>
+            <a:ext cx="769501" cy="276999"/>
+          </a:xfrm>
+          <a:prstGeom prst="rect">
+            <a:avLst/>
+          </a:prstGeom>
+          <a:noFill/>
+        </p:spPr>
+        <p:txBody>
+          <a:bodyPr wrap="square" rtlCol="0">
+            <a:spAutoFit/>
+          </a:bodyPr>
+          <a:lstStyle/>
+          <a:p>
+            <a:pPr algn="ctr"/>
+            <a:r>
+              <a:rPr lang="en-US" sz="1200" b="1" dirty="0">
+                <a:solidFill>
+                  <a:srgbClr val="00B0F0"/>
+                </a:solidFill>
+                <a:latin typeface="IBM Plex Sans" panose="020B0503050203000203" pitchFamily="34" charset="0"/>
+              </a:rPr>
+              <a:t>Species</a:t>
+            </a:r>
+            <a:endParaRPr lang="en-MO" sz="1200" b="1" dirty="0">
+              <a:solidFill>
+                <a:srgbClr val="00B0F0"/>
+              </a:solidFill>
+              <a:latin typeface="IBM Plex Sans" panose="020B0503050203000203" pitchFamily="34" charset="0"/>
+            </a:endParaRPr>
+          </a:p>
+        </p:txBody>
+      </p:sp>
+      <p:sp>
+        <p:nvSpPr>
+          <p:cNvPr id="7" name="TextBox 6">
+            <a:extLst>
+              <a:ext uri="{FF2B5EF4-FFF2-40B4-BE49-F238E27FC236}">
+                <a16:creationId xmlns:a16="http://schemas.microsoft.com/office/drawing/2014/main" id="{C598A706-D57A-207C-C117-0DCBF08F5549}"/>
+              </a:ext>
+            </a:extLst>
+          </p:cNvPr>
+          <p:cNvSpPr txBox="1"/>
+          <p:nvPr/>
+        </p:nvSpPr>
+        <p:spPr>
+          <a:xfrm>
+            <a:off x="4175310" y="1652236"/>
+            <a:ext cx="769501" cy="276999"/>
+          </a:xfrm>
+          <a:prstGeom prst="rect">
+            <a:avLst/>
+          </a:prstGeom>
+          <a:noFill/>
+        </p:spPr>
+        <p:txBody>
+          <a:bodyPr wrap="square" rtlCol="0">
+            <a:spAutoFit/>
+          </a:bodyPr>
+          <a:lstStyle/>
+          <a:p>
+            <a:pPr algn="ctr"/>
+            <a:r>
+              <a:rPr lang="en-US" sz="1200" b="1" dirty="0">
+                <a:solidFill>
+                  <a:srgbClr val="00B0F0"/>
+                </a:solidFill>
+                <a:latin typeface="IBM Plex Sans" panose="020B0503050203000203" pitchFamily="34" charset="0"/>
+              </a:rPr>
+              <a:t>Tissue</a:t>
+            </a:r>
+            <a:endParaRPr lang="en-MO" sz="1200" b="1" dirty="0">
+              <a:solidFill>
+                <a:srgbClr val="00B0F0"/>
+              </a:solidFill>
+              <a:latin typeface="IBM Plex Sans" panose="020B0503050203000203" pitchFamily="34" charset="0"/>
+            </a:endParaRPr>
+          </a:p>
+        </p:txBody>
+      </p:sp>
+      <p:sp>
+        <p:nvSpPr>
+          <p:cNvPr id="8" name="TextBox 7">
+            <a:extLst>
+              <a:ext uri="{FF2B5EF4-FFF2-40B4-BE49-F238E27FC236}">
+                <a16:creationId xmlns:a16="http://schemas.microsoft.com/office/drawing/2014/main" id="{4E666397-CA87-FBB7-6622-3B63C4F1676D}"/>
+              </a:ext>
+            </a:extLst>
+          </p:cNvPr>
+          <p:cNvSpPr txBox="1"/>
+          <p:nvPr/>
+        </p:nvSpPr>
+        <p:spPr>
+          <a:xfrm>
+            <a:off x="5076458" y="1647302"/>
+            <a:ext cx="769501" cy="276999"/>
+          </a:xfrm>
+          <a:prstGeom prst="rect">
+            <a:avLst/>
+          </a:prstGeom>
+          <a:noFill/>
+        </p:spPr>
+        <p:txBody>
+          <a:bodyPr wrap="square" rtlCol="0">
+            <a:spAutoFit/>
+          </a:bodyPr>
+          <a:lstStyle/>
+          <a:p>
+            <a:pPr algn="ctr"/>
+            <a:r>
+              <a:rPr lang="en-US" sz="1200" b="1" dirty="0">
+                <a:solidFill>
+                  <a:srgbClr val="00B0F0"/>
+                </a:solidFill>
+                <a:latin typeface="IBM Plex Sans" panose="020B0503050203000203" pitchFamily="34" charset="0"/>
+              </a:rPr>
+              <a:t>Disease</a:t>
+            </a:r>
+            <a:endParaRPr lang="en-MO" sz="1200" b="1" dirty="0">
+              <a:solidFill>
+                <a:srgbClr val="00B0F0"/>
+              </a:solidFill>
+              <a:latin typeface="IBM Plex Sans" panose="020B0503050203000203" pitchFamily="34" charset="0"/>
+            </a:endParaRPr>
+          </a:p>
+        </p:txBody>
+      </p:sp>
+      <p:sp>
+        <p:nvSpPr>
+          <p:cNvPr id="9" name="TextBox 8">
+            <a:extLst>
+              <a:ext uri="{FF2B5EF4-FFF2-40B4-BE49-F238E27FC236}">
+                <a16:creationId xmlns:a16="http://schemas.microsoft.com/office/drawing/2014/main" id="{13DBD3D8-E3E4-94CE-0B2E-11F81AC4F940}"/>
+              </a:ext>
+            </a:extLst>
+          </p:cNvPr>
+          <p:cNvSpPr txBox="1"/>
+          <p:nvPr/>
+        </p:nvSpPr>
+        <p:spPr>
+          <a:xfrm>
+            <a:off x="2381982" y="2932691"/>
+            <a:ext cx="1039420" cy="276999"/>
+          </a:xfrm>
+          <a:prstGeom prst="rect">
+            <a:avLst/>
+          </a:prstGeom>
+          <a:noFill/>
+        </p:spPr>
+        <p:txBody>
+          <a:bodyPr wrap="square" rtlCol="0">
+            <a:spAutoFit/>
+          </a:bodyPr>
+          <a:lstStyle/>
+          <a:p>
+            <a:pPr algn="ctr"/>
+            <a:r>
+              <a:rPr lang="en-US" sz="1200" b="1" dirty="0">
+                <a:solidFill>
+                  <a:srgbClr val="00B0F0"/>
+                </a:solidFill>
+                <a:latin typeface="IBM Plex Sans" panose="020B0503050203000203" pitchFamily="34" charset="0"/>
+              </a:rPr>
+              <a:t>Technology</a:t>
+            </a:r>
+            <a:endParaRPr lang="en-MO" sz="1200" b="1" dirty="0">
+              <a:solidFill>
+                <a:srgbClr val="00B0F0"/>
+              </a:solidFill>
+              <a:latin typeface="IBM Plex Sans" panose="020B0503050203000203" pitchFamily="34" charset="0"/>
+            </a:endParaRPr>
+          </a:p>
+        </p:txBody>
+      </p:sp>
+      <p:sp>
+        <p:nvSpPr>
+          <p:cNvPr id="10" name="TextBox 9">
+            <a:extLst>
+              <a:ext uri="{FF2B5EF4-FFF2-40B4-BE49-F238E27FC236}">
+                <a16:creationId xmlns:a16="http://schemas.microsoft.com/office/drawing/2014/main" id="{4D820E39-2AFC-E512-9C68-1BC6A3907ADF}"/>
+              </a:ext>
+            </a:extLst>
+          </p:cNvPr>
+          <p:cNvSpPr txBox="1"/>
+          <p:nvPr/>
+        </p:nvSpPr>
+        <p:spPr>
+          <a:xfrm>
+            <a:off x="5240110" y="2932691"/>
+            <a:ext cx="1039420" cy="276999"/>
+          </a:xfrm>
+          <a:prstGeom prst="rect">
+            <a:avLst/>
+          </a:prstGeom>
+          <a:noFill/>
+        </p:spPr>
+        <p:txBody>
+          <a:bodyPr wrap="square" rtlCol="0">
+            <a:spAutoFit/>
+          </a:bodyPr>
+          <a:lstStyle/>
+          <a:p>
+            <a:pPr algn="ctr"/>
+            <a:r>
+              <a:rPr lang="en-US" sz="1200" b="1" dirty="0">
+                <a:solidFill>
+                  <a:srgbClr val="00B0F0"/>
+                </a:solidFill>
+                <a:latin typeface="IBM Plex Sans" panose="020B0503050203000203" pitchFamily="34" charset="0"/>
+              </a:rPr>
+              <a:t>Molecule</a:t>
+            </a:r>
+            <a:endParaRPr lang="en-MO" sz="1200" b="1" dirty="0">
+              <a:solidFill>
+                <a:srgbClr val="00B0F0"/>
+              </a:solidFill>
+              <a:latin typeface="IBM Plex Sans" panose="020B0503050203000203" pitchFamily="34" charset="0"/>
+            </a:endParaRPr>
+          </a:p>
+        </p:txBody>
+      </p:sp>
+      <p:sp>
+        <p:nvSpPr>
+          <p:cNvPr id="11" name="TextBox 10">
+            <a:extLst>
+              <a:ext uri="{FF2B5EF4-FFF2-40B4-BE49-F238E27FC236}">
+                <a16:creationId xmlns:a16="http://schemas.microsoft.com/office/drawing/2014/main" id="{5B985FE5-FF26-4B6F-2982-56A01B9DA672}"/>
+              </a:ext>
+            </a:extLst>
+          </p:cNvPr>
+          <p:cNvSpPr txBox="1"/>
+          <p:nvPr/>
+        </p:nvSpPr>
+        <p:spPr>
+          <a:xfrm>
+            <a:off x="6035241" y="3152001"/>
+            <a:ext cx="2172142" cy="276999"/>
+          </a:xfrm>
+          <a:prstGeom prst="rect">
+            <a:avLst/>
+          </a:prstGeom>
+          <a:noFill/>
+        </p:spPr>
+        <p:txBody>
+          <a:bodyPr wrap="square" rtlCol="0">
+            <a:spAutoFit/>
+          </a:bodyPr>
+          <a:lstStyle/>
+          <a:p>
+            <a:pPr algn="ctr"/>
+            <a:r>
+              <a:rPr lang="en-US" sz="1200" b="1" dirty="0">
+                <a:solidFill>
+                  <a:srgbClr val="00B0F0"/>
+                </a:solidFill>
+                <a:latin typeface="IBM Plex Sans" panose="020B0503050203000203" pitchFamily="34" charset="0"/>
+              </a:rPr>
+              <a:t>Journal &amp; Year</a:t>
+            </a:r>
+            <a:endParaRPr lang="en-MO" sz="1200" b="1" dirty="0">
+              <a:solidFill>
+                <a:srgbClr val="00B0F0"/>
+              </a:solidFill>
+              <a:latin typeface="IBM Plex Sans" panose="020B0503050203000203" pitchFamily="34" charset="0"/>
+            </a:endParaRPr>
+          </a:p>
+        </p:txBody>
+      </p:sp>
+      <p:sp>
+        <p:nvSpPr>
+          <p:cNvPr id="12" name="TextBox 11">
+            <a:extLst>
+              <a:ext uri="{FF2B5EF4-FFF2-40B4-BE49-F238E27FC236}">
+                <a16:creationId xmlns:a16="http://schemas.microsoft.com/office/drawing/2014/main" id="{DA60AFF1-47A2-2F24-7FEB-D6C8760C4E21}"/>
+              </a:ext>
+            </a:extLst>
+          </p:cNvPr>
+          <p:cNvSpPr txBox="1"/>
+          <p:nvPr/>
+        </p:nvSpPr>
+        <p:spPr>
+          <a:xfrm>
+            <a:off x="2965610" y="3636752"/>
+            <a:ext cx="1370191" cy="276999"/>
+          </a:xfrm>
+          <a:prstGeom prst="rect">
+            <a:avLst/>
+          </a:prstGeom>
+          <a:noFill/>
+        </p:spPr>
+        <p:txBody>
+          <a:bodyPr wrap="square" rtlCol="0">
+            <a:spAutoFit/>
+          </a:bodyPr>
+          <a:lstStyle/>
+          <a:p>
+            <a:pPr algn="ctr"/>
+            <a:r>
+              <a:rPr lang="en-US" sz="1200" b="1" dirty="0">
+                <a:solidFill>
+                  <a:srgbClr val="00B0F0"/>
+                </a:solidFill>
+                <a:latin typeface="IBM Plex Sans" panose="020B0503050203000203" pitchFamily="34" charset="0"/>
+              </a:rPr>
+              <a:t>Click to view</a:t>
+            </a:r>
+            <a:endParaRPr lang="en-MO" sz="1200" b="1" dirty="0">
+              <a:solidFill>
+                <a:srgbClr val="00B0F0"/>
+              </a:solidFill>
+              <a:latin typeface="IBM Plex Sans" panose="020B0503050203000203" pitchFamily="34" charset="0"/>
+            </a:endParaRPr>
+          </a:p>
+        </p:txBody>
+      </p:sp>
+      <p:sp>
+        <p:nvSpPr>
+          <p:cNvPr id="13" name="TextBox 12">
+            <a:extLst>
+              <a:ext uri="{FF2B5EF4-FFF2-40B4-BE49-F238E27FC236}">
+                <a16:creationId xmlns:a16="http://schemas.microsoft.com/office/drawing/2014/main" id="{2A6F520C-65A9-B8F4-D2E9-F7A8C2230DAE}"/>
+              </a:ext>
+            </a:extLst>
+          </p:cNvPr>
+          <p:cNvSpPr txBox="1"/>
+          <p:nvPr/>
+        </p:nvSpPr>
+        <p:spPr>
+          <a:xfrm>
+            <a:off x="3633380" y="3975473"/>
+            <a:ext cx="1370191" cy="461665"/>
+          </a:xfrm>
+          <a:prstGeom prst="rect">
+            <a:avLst/>
+          </a:prstGeom>
+          <a:noFill/>
+        </p:spPr>
+        <p:txBody>
+          <a:bodyPr wrap="square" rtlCol="0">
+            <a:spAutoFit/>
+          </a:bodyPr>
+          <a:lstStyle/>
+          <a:p>
+            <a:pPr algn="ctr"/>
+            <a:r>
+              <a:rPr lang="en-US" sz="1200" b="1" dirty="0">
+                <a:solidFill>
+                  <a:srgbClr val="00B0F0"/>
+                </a:solidFill>
+                <a:latin typeface="IBM Plex Sans" panose="020B0503050203000203" pitchFamily="34" charset="0"/>
+              </a:rPr>
+              <a:t>Download</a:t>
+            </a:r>
+          </a:p>
+          <a:p>
+            <a:pPr algn="ctr"/>
+            <a:r>
+              <a:rPr lang="en-US" sz="1200" b="1" dirty="0">
+                <a:solidFill>
+                  <a:srgbClr val="00B0F0"/>
+                </a:solidFill>
+                <a:latin typeface="IBM Plex Sans" panose="020B0503050203000203" pitchFamily="34" charset="0"/>
+              </a:rPr>
+              <a:t>Directly</a:t>
+            </a:r>
+            <a:endParaRPr lang="en-MO" sz="1200" b="1" dirty="0">
+              <a:solidFill>
+                <a:srgbClr val="00B0F0"/>
+              </a:solidFill>
+              <a:latin typeface="IBM Plex Sans" panose="020B0503050203000203" pitchFamily="34" charset="0"/>
+            </a:endParaRPr>
+          </a:p>
+        </p:txBody>
+      </p:sp>
+      <p:sp>
+        <p:nvSpPr>
+          <p:cNvPr id="14" name="TextBox 13">
+            <a:extLst>
+              <a:ext uri="{FF2B5EF4-FFF2-40B4-BE49-F238E27FC236}">
+                <a16:creationId xmlns:a16="http://schemas.microsoft.com/office/drawing/2014/main" id="{920EE800-D68C-5C53-443A-12773F1A2BF3}"/>
+              </a:ext>
+            </a:extLst>
+          </p:cNvPr>
+          <p:cNvSpPr txBox="1"/>
+          <p:nvPr/>
+        </p:nvSpPr>
+        <p:spPr>
+          <a:xfrm rot="393038">
+            <a:off x="4945220" y="3732758"/>
+            <a:ext cx="1790204" cy="276999"/>
+          </a:xfrm>
+          <a:prstGeom prst="rect">
+            <a:avLst/>
+          </a:prstGeom>
+          <a:noFill/>
+        </p:spPr>
+        <p:txBody>
+          <a:bodyPr wrap="square" rtlCol="0">
+            <a:spAutoFit/>
+          </a:bodyPr>
+          <a:lstStyle/>
+          <a:p>
+            <a:pPr algn="ctr"/>
+            <a:r>
+              <a:rPr lang="en-US" sz="1200" b="1" dirty="0">
+                <a:solidFill>
+                  <a:srgbClr val="00B0F0"/>
+                </a:solidFill>
+                <a:latin typeface="IBM Plex Sans" panose="020B0503050203000203" pitchFamily="34" charset="0"/>
+              </a:rPr>
+              <a:t>Add to download list</a:t>
+            </a:r>
+            <a:endParaRPr lang="en-MO" sz="1200" b="1" dirty="0">
+              <a:solidFill>
+                <a:srgbClr val="00B0F0"/>
+              </a:solidFill>
+              <a:latin typeface="IBM Plex Sans" panose="020B0503050203000203" pitchFamily="34" charset="0"/>
+            </a:endParaRPr>
+          </a:p>
+        </p:txBody>
+      </p:sp>
+      <p:sp>
+        <p:nvSpPr>
+          <p:cNvPr id="15" name="TextBox 14">
+            <a:extLst>
+              <a:ext uri="{FF2B5EF4-FFF2-40B4-BE49-F238E27FC236}">
+                <a16:creationId xmlns:a16="http://schemas.microsoft.com/office/drawing/2014/main" id="{19A04412-0438-0604-E577-952E31E0A106}"/>
+              </a:ext>
+            </a:extLst>
+          </p:cNvPr>
+          <p:cNvSpPr txBox="1"/>
+          <p:nvPr/>
+        </p:nvSpPr>
+        <p:spPr>
+          <a:xfrm>
+            <a:off x="6985612" y="4144763"/>
+            <a:ext cx="1790204" cy="461665"/>
+          </a:xfrm>
+          <a:prstGeom prst="rect">
+            <a:avLst/>
+          </a:prstGeom>
+          <a:noFill/>
+        </p:spPr>
+        <p:txBody>
+          <a:bodyPr wrap="square" rtlCol="0">
+            <a:spAutoFit/>
+          </a:bodyPr>
+          <a:lstStyle/>
+          <a:p>
+            <a:pPr algn="ctr"/>
+            <a:r>
+              <a:rPr lang="en-US" sz="1200" b="1" dirty="0">
+                <a:solidFill>
+                  <a:srgbClr val="00B0F0"/>
+                </a:solidFill>
+                <a:latin typeface="IBM Plex Sans" panose="020B0503050203000203" pitchFamily="34" charset="0"/>
+              </a:rPr>
+              <a:t>Click this to download all your selection</a:t>
+            </a:r>
+            <a:endParaRPr lang="en-MO" sz="1200" b="1" dirty="0">
+              <a:solidFill>
+                <a:srgbClr val="00B0F0"/>
+              </a:solidFill>
+              <a:latin typeface="IBM Plex Sans" panose="020B0503050203000203" pitchFamily="34" charset="0"/>
+            </a:endParaRPr>
+          </a:p>
+        </p:txBody>
+      </p:sp>
+      <p:cxnSp>
+        <p:nvCxnSpPr>
+          <p:cNvPr id="27" name="Straight Arrow Connector 26">
+            <a:extLst>
+              <a:ext uri="{FF2B5EF4-FFF2-40B4-BE49-F238E27FC236}">
+                <a16:creationId xmlns:a16="http://schemas.microsoft.com/office/drawing/2014/main" id="{7EE21A84-1E89-6DE0-C79D-06C2837D1A02}"/>
+              </a:ext>
+            </a:extLst>
+          </p:cNvPr>
+          <p:cNvCxnSpPr>
+            <a:cxnSpLocks/>
+          </p:cNvCxnSpPr>
+          <p:nvPr/>
+        </p:nvCxnSpPr>
+        <p:spPr>
+          <a:xfrm>
+            <a:off x="4659310" y="3626613"/>
+            <a:ext cx="2384220" cy="263117"/>
+          </a:xfrm>
+          <a:prstGeom prst="straightConnector1">
+            <a:avLst/>
+          </a:prstGeom>
+          <a:ln w="19050">
+            <a:solidFill>
+              <a:srgbClr val="FFC002"/>
+            </a:solidFill>
+            <a:tailEnd type="triangle"/>
+          </a:ln>
+        </p:spPr>
+        <p:style>
+          <a:lnRef idx="1">
+            <a:schemeClr val="accent1"/>
+          </a:lnRef>
+          <a:fillRef idx="0">
+            <a:schemeClr val="accent1"/>
+          </a:fillRef>
+          <a:effectRef idx="0">
+            <a:schemeClr val="accent1"/>
+          </a:effectRef>
+          <a:fontRef idx="minor">
+            <a:schemeClr val="tx1"/>
+          </a:fontRef>
+        </p:style>
+      </p:cxnSp>
+      <p:cxnSp>
+        <p:nvCxnSpPr>
+          <p:cNvPr id="28" name="Straight Connector 27">
+            <a:extLst>
+              <a:ext uri="{FF2B5EF4-FFF2-40B4-BE49-F238E27FC236}">
+                <a16:creationId xmlns:a16="http://schemas.microsoft.com/office/drawing/2014/main" id="{2CF4EB43-974A-1051-D659-99F8B7D97460}"/>
+              </a:ext>
+            </a:extLst>
+          </p:cNvPr>
+          <p:cNvCxnSpPr>
+            <a:cxnSpLocks/>
+          </p:cNvCxnSpPr>
+          <p:nvPr/>
+        </p:nvCxnSpPr>
+        <p:spPr>
+          <a:xfrm>
+            <a:off x="3421402" y="3631096"/>
+            <a:ext cx="666894" cy="0"/>
+          </a:xfrm>
+          <a:prstGeom prst="line">
+            <a:avLst/>
+          </a:prstGeom>
+          <a:ln w="38100">
+            <a:solidFill>
+              <a:srgbClr val="FFC002"/>
+            </a:solidFill>
+          </a:ln>
+        </p:spPr>
+        <p:style>
+          <a:lnRef idx="1">
+            <a:schemeClr val="accent1"/>
+          </a:lnRef>
+          <a:fillRef idx="0">
+            <a:schemeClr val="accent1"/>
+          </a:fillRef>
+          <a:effectRef idx="0">
+            <a:schemeClr val="accent1"/>
+          </a:effectRef>
+          <a:fontRef idx="minor">
+            <a:schemeClr val="tx1"/>
+          </a:fontRef>
+        </p:style>
+      </p:cxnSp>
+      <p:cxnSp>
+        <p:nvCxnSpPr>
+          <p:cNvPr id="30" name="Straight Connector 29">
+            <a:extLst>
+              <a:ext uri="{FF2B5EF4-FFF2-40B4-BE49-F238E27FC236}">
+                <a16:creationId xmlns:a16="http://schemas.microsoft.com/office/drawing/2014/main" id="{ADDDB9C3-448D-FACD-6321-1C3175E4930C}"/>
+              </a:ext>
+            </a:extLst>
+          </p:cNvPr>
+          <p:cNvCxnSpPr>
+            <a:cxnSpLocks/>
+          </p:cNvCxnSpPr>
+          <p:nvPr/>
+        </p:nvCxnSpPr>
+        <p:spPr>
+          <a:xfrm>
+            <a:off x="4156898" y="3631096"/>
+            <a:ext cx="275954" cy="0"/>
+          </a:xfrm>
+          <a:prstGeom prst="line">
+            <a:avLst/>
+          </a:prstGeom>
+          <a:ln w="38100">
+            <a:solidFill>
+              <a:srgbClr val="FFC002"/>
+            </a:solidFill>
+          </a:ln>
+        </p:spPr>
+        <p:style>
+          <a:lnRef idx="1">
+            <a:schemeClr val="accent1"/>
+          </a:lnRef>
+          <a:fillRef idx="0">
+            <a:schemeClr val="accent1"/>
+          </a:fillRef>
+          <a:effectRef idx="0">
+            <a:schemeClr val="accent1"/>
+          </a:effectRef>
+          <a:fontRef idx="minor">
+            <a:schemeClr val="tx1"/>
+          </a:fontRef>
+        </p:style>
+      </p:cxnSp>
+      <p:cxnSp>
+        <p:nvCxnSpPr>
+          <p:cNvPr id="32" name="Straight Connector 31">
+            <a:extLst>
+              <a:ext uri="{FF2B5EF4-FFF2-40B4-BE49-F238E27FC236}">
+                <a16:creationId xmlns:a16="http://schemas.microsoft.com/office/drawing/2014/main" id="{657A2429-CB54-920F-E131-BA68FB0201DF}"/>
+              </a:ext>
+            </a:extLst>
+          </p:cNvPr>
+          <p:cNvCxnSpPr>
+            <a:cxnSpLocks/>
+          </p:cNvCxnSpPr>
+          <p:nvPr/>
+        </p:nvCxnSpPr>
+        <p:spPr>
+          <a:xfrm>
+            <a:off x="4521333" y="3631096"/>
+            <a:ext cx="275954" cy="0"/>
+          </a:xfrm>
+          <a:prstGeom prst="line">
+            <a:avLst/>
+          </a:prstGeom>
+          <a:ln w="38100">
+            <a:solidFill>
+              <a:srgbClr val="FFC002"/>
+            </a:solidFill>
+          </a:ln>
+        </p:spPr>
+        <p:style>
+          <a:lnRef idx="1">
+            <a:schemeClr val="accent1"/>
+          </a:lnRef>
+          <a:fillRef idx="0">
+            <a:schemeClr val="accent1"/>
+          </a:fillRef>
+          <a:effectRef idx="0">
+            <a:schemeClr val="accent1"/>
+          </a:effectRef>
+          <a:fontRef idx="minor">
+            <a:schemeClr val="tx1"/>
+          </a:fontRef>
+        </p:style>
+      </p:cxnSp>
+    </p:spTree>
+    <p:extLst>
+      <p:ext uri="{BB962C8B-B14F-4D97-AF65-F5344CB8AC3E}">
+        <p14:creationId xmlns:p14="http://schemas.microsoft.com/office/powerpoint/2010/main" val="446079008"/>
+      </p:ext>
+    </p:extLst>
+  </p:cSld>
+  <p:clrMapOvr>
+    <a:masterClrMapping/>
+  </p:clrMapOvr>
+</p:sld>
+</file>
+
+<file path=ppt/slides/slide3.xml><?xml version="1.0" encoding="utf-8"?>
+<p:sld xmlns:a="http://schemas.openxmlformats.org/drawingml/2006/main" xmlns:r="http://schemas.openxmlformats.org/officeDocument/2006/relationships" xmlns:p="http://schemas.openxmlformats.org/presentationml/2006/main">
+  <p:cSld>
+    <p:spTree>
+      <p:nvGrpSpPr>
+        <p:cNvPr id="1" name=""/>
+        <p:cNvGrpSpPr/>
+        <p:nvPr/>
+      </p:nvGrpSpPr>
+      <p:grpSpPr>
+        <a:xfrm>
+          <a:off x="0" y="0"/>
+          <a:ext cx="0" cy="0"/>
+          <a:chOff x="0" y="0"/>
+          <a:chExt cx="0" cy="0"/>
+        </a:xfrm>
+      </p:grpSpPr>
+      <p:pic>
+        <p:nvPicPr>
+          <p:cNvPr id="8" name="Picture 7">
+            <a:extLst>
+              <a:ext uri="{FF2B5EF4-FFF2-40B4-BE49-F238E27FC236}">
+                <a16:creationId xmlns:a16="http://schemas.microsoft.com/office/drawing/2014/main" id="{31BD79E5-771C-3F48-A838-1ACE31756928}"/>
+              </a:ext>
+            </a:extLst>
+          </p:cNvPr>
+          <p:cNvPicPr>
+            <a:picLocks noChangeAspect="1"/>
+          </p:cNvPicPr>
+          <p:nvPr/>
+        </p:nvPicPr>
+        <p:blipFill>
+          <a:blip r:embed="rId2"/>
+          <a:stretch>
+            <a:fillRect/>
+          </a:stretch>
+        </p:blipFill>
+        <p:spPr>
+          <a:xfrm>
+            <a:off x="1313013" y="0"/>
+            <a:ext cx="9565974" cy="6858000"/>
+          </a:xfrm>
+          <a:prstGeom prst="rect">
+            <a:avLst/>
+          </a:prstGeom>
+        </p:spPr>
+      </p:pic>
+      <p:sp>
+        <p:nvSpPr>
+          <p:cNvPr id="6" name="TextBox 5">
+            <a:extLst>
+              <a:ext uri="{FF2B5EF4-FFF2-40B4-BE49-F238E27FC236}">
+                <a16:creationId xmlns:a16="http://schemas.microsoft.com/office/drawing/2014/main" id="{F09C00F8-24FE-D48F-C19B-DD03268A028E}"/>
+              </a:ext>
+            </a:extLst>
+          </p:cNvPr>
+          <p:cNvSpPr txBox="1"/>
+          <p:nvPr/>
+        </p:nvSpPr>
+        <p:spPr>
+          <a:xfrm>
+            <a:off x="4883426" y="1191726"/>
+            <a:ext cx="1751627" cy="461665"/>
+          </a:xfrm>
+          <a:prstGeom prst="rect">
+            <a:avLst/>
+          </a:prstGeom>
+          <a:noFill/>
+        </p:spPr>
+        <p:txBody>
+          <a:bodyPr wrap="square" rtlCol="0">
+            <a:spAutoFit/>
+          </a:bodyPr>
+          <a:lstStyle/>
+          <a:p>
+            <a:pPr algn="ctr"/>
+            <a:r>
+              <a:rPr lang="en-US" sz="1200" b="1" dirty="0">
+                <a:solidFill>
+                  <a:srgbClr val="00B0F0"/>
+                </a:solidFill>
+                <a:latin typeface="IBM Plex Sans" panose="020B0503050203000203" pitchFamily="34" charset="0"/>
+              </a:rPr>
+              <a:t>Click to will it and add to preview panel</a:t>
+            </a:r>
+            <a:endParaRPr lang="en-MO" sz="1200" b="1" dirty="0">
+              <a:solidFill>
+                <a:srgbClr val="00B0F0"/>
+              </a:solidFill>
+              <a:latin typeface="IBM Plex Sans" panose="020B0503050203000203" pitchFamily="34" charset="0"/>
+            </a:endParaRPr>
+          </a:p>
+        </p:txBody>
+      </p:sp>
+    </p:spTree>
+    <p:extLst>
+      <p:ext uri="{BB962C8B-B14F-4D97-AF65-F5344CB8AC3E}">
+        <p14:creationId xmlns:p14="http://schemas.microsoft.com/office/powerpoint/2010/main" val="2438547537"/>
+      </p:ext>
+    </p:extLst>
+  </p:cSld>
+  <p:clrMapOvr>
+    <a:masterClrMapping/>
+  </p:clrMapOvr>
+</p:sld>
+</file>
+
+<file path=ppt/slides/slide4.xml><?xml version="1.0" encoding="utf-8"?>
+<p:sld xmlns:a="http://schemas.openxmlformats.org/drawingml/2006/main" xmlns:r="http://schemas.openxmlformats.org/officeDocument/2006/relationships" xmlns:p="http://schemas.openxmlformats.org/presentationml/2006/main">
+  <p:cSld>
+    <p:spTree>
+      <p:nvGrpSpPr>
+        <p:cNvPr id="1" name=""/>
+        <p:cNvGrpSpPr/>
+        <p:nvPr/>
+      </p:nvGrpSpPr>
+      <p:grpSpPr>
+        <a:xfrm>
+          <a:off x="0" y="0"/>
+          <a:ext cx="0" cy="0"/>
+          <a:chOff x="0" y="0"/>
+          <a:chExt cx="0" cy="0"/>
+        </a:xfrm>
+      </p:grpSpPr>
+      <p:pic>
+        <p:nvPicPr>
+          <p:cNvPr id="3" name="Picture 2">
+            <a:extLst>
+              <a:ext uri="{FF2B5EF4-FFF2-40B4-BE49-F238E27FC236}">
+                <a16:creationId xmlns:a16="http://schemas.microsoft.com/office/drawing/2014/main" id="{50577875-58AC-D58F-035B-F71C49F1EBCE}"/>
+              </a:ext>
+            </a:extLst>
+          </p:cNvPr>
+          <p:cNvPicPr>
+            <a:picLocks noChangeAspect="1"/>
+          </p:cNvPicPr>
+          <p:nvPr/>
+        </p:nvPicPr>
+        <p:blipFill>
+          <a:blip r:embed="rId2"/>
+          <a:stretch>
+            <a:fillRect/>
+          </a:stretch>
+        </p:blipFill>
+        <p:spPr>
+          <a:xfrm>
+            <a:off x="568041" y="447522"/>
+            <a:ext cx="11055918" cy="5962956"/>
+          </a:xfrm>
+          <a:prstGeom prst="rect">
+            <a:avLst/>
+          </a:prstGeom>
+        </p:spPr>
+      </p:pic>
+    </p:spTree>
+    <p:extLst>
+      <p:ext uri="{BB962C8B-B14F-4D97-AF65-F5344CB8AC3E}">
+        <p14:creationId xmlns:p14="http://schemas.microsoft.com/office/powerpoint/2010/main" val="1187143433"/>
+      </p:ext>
+    </p:extLst>
+  </p:cSld>
+  <p:clrMapOvr>
+    <a:masterClrMapping/>
+  </p:clrMapOvr>
+</p:sld>
+</file>
+
+<file path=ppt/slides/slide5.xml><?xml version="1.0" encoding="utf-8"?>
+<p:sld xmlns:a="http://schemas.openxmlformats.org/drawingml/2006/main" xmlns:r="http://schemas.openxmlformats.org/officeDocument/2006/relationships" xmlns:p="http://schemas.openxmlformats.org/presentationml/2006/main">
+  <p:cSld>
+    <p:spTree>
+      <p:nvGrpSpPr>
+        <p:cNvPr id="1" name=""/>
+        <p:cNvGrpSpPr/>
+        <p:nvPr/>
+      </p:nvGrpSpPr>
+      <p:grpSpPr>
+        <a:xfrm>
+          <a:off x="0" y="0"/>
+          <a:ext cx="0" cy="0"/>
+          <a:chOff x="0" y="0"/>
+          <a:chExt cx="0" cy="0"/>
+        </a:xfrm>
+      </p:grpSpPr>
+      <p:pic>
+        <p:nvPicPr>
+          <p:cNvPr id="3" name="Picture 2">
+            <a:extLst>
+              <a:ext uri="{FF2B5EF4-FFF2-40B4-BE49-F238E27FC236}">
+                <a16:creationId xmlns:a16="http://schemas.microsoft.com/office/drawing/2014/main" id="{FF2B91D4-67C7-0D90-9F9B-FA852772C71B}"/>
+              </a:ext>
+            </a:extLst>
+          </p:cNvPr>
+          <p:cNvPicPr>
+            <a:picLocks noChangeAspect="1"/>
+          </p:cNvPicPr>
+          <p:nvPr/>
+        </p:nvPicPr>
+        <p:blipFill>
+          <a:blip r:embed="rId2"/>
+          <a:stretch>
+            <a:fillRect/>
+          </a:stretch>
+        </p:blipFill>
+        <p:spPr>
+          <a:xfrm>
+            <a:off x="703721" y="0"/>
+            <a:ext cx="7816070" cy="6858000"/>
+          </a:xfrm>
+          <a:prstGeom prst="rect">
+            <a:avLst/>
+          </a:prstGeom>
+        </p:spPr>
+      </p:pic>
+    </p:spTree>
+    <p:extLst>
+      <p:ext uri="{BB962C8B-B14F-4D97-AF65-F5344CB8AC3E}">
+        <p14:creationId xmlns:p14="http://schemas.microsoft.com/office/powerpoint/2010/main" val="1310519881"/>
+      </p:ext>
+    </p:extLst>
+  </p:cSld>
+  <p:clrMapOvr>
+    <a:masterClrMapping/>
+  </p:clrMapOvr>
+</p:sld>
+</file>
+
+<file path=ppt/slides/slide6.xml><?xml version="1.0" encoding="utf-8"?>
+<p:sld xmlns:a="http://schemas.openxmlformats.org/drawingml/2006/main" xmlns:r="http://schemas.openxmlformats.org/officeDocument/2006/relationships" xmlns:p="http://schemas.openxmlformats.org/presentationml/2006/main">
+  <p:cSld>
+    <p:spTree>
+      <p:nvGrpSpPr>
+        <p:cNvPr id="1" name=""/>
+        <p:cNvGrpSpPr/>
+        <p:nvPr/>
+      </p:nvGrpSpPr>
+      <p:grpSpPr>
+        <a:xfrm>
+          <a:off x="0" y="0"/>
+          <a:ext cx="0" cy="0"/>
+          <a:chOff x="0" y="0"/>
+          <a:chExt cx="0" cy="0"/>
+        </a:xfrm>
+      </p:grpSpPr>
+      <p:pic>
+        <p:nvPicPr>
+          <p:cNvPr id="3" name="Picture 2">
+            <a:extLst>
+              <a:ext uri="{FF2B5EF4-FFF2-40B4-BE49-F238E27FC236}">
+                <a16:creationId xmlns:a16="http://schemas.microsoft.com/office/drawing/2014/main" id="{744586F3-358D-87AD-A8F6-09BBA146F72E}"/>
+              </a:ext>
+            </a:extLst>
+          </p:cNvPr>
+          <p:cNvPicPr>
+            <a:picLocks noChangeAspect="1"/>
+          </p:cNvPicPr>
+          <p:nvPr/>
+        </p:nvPicPr>
+        <p:blipFill>
+          <a:blip r:embed="rId2"/>
+          <a:stretch>
+            <a:fillRect/>
+          </a:stretch>
+        </p:blipFill>
+        <p:spPr>
+          <a:xfrm>
+            <a:off x="807867" y="0"/>
+            <a:ext cx="10576266" cy="6858000"/>
+          </a:xfrm>
+          <a:prstGeom prst="rect">
+            <a:avLst/>
+          </a:prstGeom>
+        </p:spPr>
+      </p:pic>
+    </p:spTree>
+    <p:extLst>
+      <p:ext uri="{BB962C8B-B14F-4D97-AF65-F5344CB8AC3E}">
+        <p14:creationId xmlns:p14="http://schemas.microsoft.com/office/powerpoint/2010/main" val="4256541733"/>
+      </p:ext>
+    </p:extLst>
+  </p:cSld>
+  <p:clrMapOvr>
+    <a:masterClrMapping/>
+  </p:clrMapOvr>
+</p:sld>
+</file>
+
+<file path=ppt/slides/slide7.xml><?xml version="1.0" encoding="utf-8"?>
+<p:sld xmlns:a="http://schemas.openxmlformats.org/drawingml/2006/main" xmlns:r="http://schemas.openxmlformats.org/officeDocument/2006/relationships" xmlns:p="http://schemas.openxmlformats.org/presentationml/2006/main">
+  <p:cSld>
+    <p:spTree>
+      <p:nvGrpSpPr>
+        <p:cNvPr id="1" name=""/>
+        <p:cNvGrpSpPr/>
+        <p:nvPr/>
+      </p:nvGrpSpPr>
+      <p:grpSpPr>
+        <a:xfrm>
+          <a:off x="0" y="0"/>
+          <a:ext cx="0" cy="0"/>
+          <a:chOff x="0" y="0"/>
+          <a:chExt cx="0" cy="0"/>
+        </a:xfrm>
+      </p:grpSpPr>
+      <p:pic>
+        <p:nvPicPr>
+          <p:cNvPr id="3" name="Picture 2">
+            <a:extLst>
+              <a:ext uri="{FF2B5EF4-FFF2-40B4-BE49-F238E27FC236}">
+                <a16:creationId xmlns:a16="http://schemas.microsoft.com/office/drawing/2014/main" id="{DA92F1F6-6D9C-E4A9-004C-B825491B98ED}"/>
+              </a:ext>
+            </a:extLst>
+          </p:cNvPr>
+          <p:cNvPicPr>
+            <a:picLocks noChangeAspect="1"/>
+          </p:cNvPicPr>
+          <p:nvPr/>
+        </p:nvPicPr>
+        <p:blipFill rotWithShape="1">
+          <a:blip r:embed="rId2"/>
+          <a:srcRect r="52214"/>
+          <a:stretch/>
+        </p:blipFill>
+        <p:spPr>
+          <a:xfrm>
+            <a:off x="193269" y="6626"/>
+            <a:ext cx="2430662" cy="6782149"/>
+          </a:xfrm>
+          <a:prstGeom prst="rect">
+            <a:avLst/>
+          </a:prstGeom>
+        </p:spPr>
+      </p:pic>
+      <p:pic>
+        <p:nvPicPr>
+          <p:cNvPr id="5" name="Picture 4">
+            <a:extLst>
+              <a:ext uri="{FF2B5EF4-FFF2-40B4-BE49-F238E27FC236}">
+                <a16:creationId xmlns:a16="http://schemas.microsoft.com/office/drawing/2014/main" id="{CA8C2B1B-B54A-8E3B-0F5B-91E90D98E32D}"/>
+              </a:ext>
+            </a:extLst>
+          </p:cNvPr>
+          <p:cNvPicPr>
+            <a:picLocks noChangeAspect="1"/>
+          </p:cNvPicPr>
+          <p:nvPr/>
+        </p:nvPicPr>
+        <p:blipFill>
+          <a:blip r:embed="rId3"/>
+          <a:stretch>
+            <a:fillRect/>
+          </a:stretch>
+        </p:blipFill>
+        <p:spPr>
+          <a:xfrm>
+            <a:off x="3075736" y="-551"/>
+            <a:ext cx="11195625" cy="6769448"/>
+          </a:xfrm>
+          <a:prstGeom prst="rect">
+            <a:avLst/>
+          </a:prstGeom>
+        </p:spPr>
+      </p:pic>
+    </p:spTree>
+    <p:extLst>
+      <p:ext uri="{BB962C8B-B14F-4D97-AF65-F5344CB8AC3E}">
+        <p14:creationId xmlns:p14="http://schemas.microsoft.com/office/powerpoint/2010/main" val="3841288381"/>
+      </p:ext>
+    </p:extLst>
+  </p:cSld>
+  <p:clrMapOvr>
+    <a:masterClrMapping/>
+  </p:clrMapOvr>
+</p:sld>
+</file>
+
+<file path=ppt/slides/slide8.xml><?xml version="1.0" encoding="utf-8"?>
+<p:sld xmlns:a="http://schemas.openxmlformats.org/drawingml/2006/main" xmlns:r="http://schemas.openxmlformats.org/officeDocument/2006/relationships" xmlns:p="http://schemas.openxmlformats.org/presentationml/2006/main">
+  <p:cSld>
+    <p:spTree>
+      <p:nvGrpSpPr>
+        <p:cNvPr id="1" name=""/>
+        <p:cNvGrpSpPr/>
+        <p:nvPr/>
+      </p:nvGrpSpPr>
+      <p:grpSpPr>
+        <a:xfrm>
+          <a:off x="0" y="0"/>
+          <a:ext cx="0" cy="0"/>
+          <a:chOff x="0" y="0"/>
+          <a:chExt cx="0" cy="0"/>
+        </a:xfrm>
+      </p:grpSpPr>
+      <p:pic>
+        <p:nvPicPr>
           <p:cNvPr id="2" name="Picture 1">
             <a:extLst>
               <a:ext uri="{FF2B5EF4-FFF2-40B4-BE49-F238E27FC236}">
@@ -4042,7 +5676,7 @@
 </p:sld>
 </file>
 
-<file path=ppt/slides/slide3.xml><?xml version="1.0" encoding="utf-8"?>
+<file path=ppt/slides/slide9.xml><?xml version="1.0" encoding="utf-8"?>
 <p:sld xmlns:a="http://schemas.openxmlformats.org/drawingml/2006/main" xmlns:r="http://schemas.openxmlformats.org/officeDocument/2006/relationships" xmlns:p="http://schemas.openxmlformats.org/presentationml/2006/main">
   <p:cSld>
     <p:spTree>
@@ -4759,326 +6393,6 @@
 </p:sld>
 </file>
 
-<file path=ppt/slides/slide4.xml><?xml version="1.0" encoding="utf-8"?>
-<p:sld xmlns:a="http://schemas.openxmlformats.org/drawingml/2006/main" xmlns:r="http://schemas.openxmlformats.org/officeDocument/2006/relationships" xmlns:p="http://schemas.openxmlformats.org/presentationml/2006/main">
-  <p:cSld>
-    <p:spTree>
-      <p:nvGrpSpPr>
-        <p:cNvPr id="1" name=""/>
-        <p:cNvGrpSpPr/>
-        <p:nvPr/>
-      </p:nvGrpSpPr>
-      <p:grpSpPr>
-        <a:xfrm>
-          <a:off x="0" y="0"/>
-          <a:ext cx="0" cy="0"/>
-          <a:chOff x="0" y="0"/>
-          <a:chExt cx="0" cy="0"/>
-        </a:xfrm>
-      </p:grpSpPr>
-      <p:pic>
-        <p:nvPicPr>
-          <p:cNvPr id="3" name="Picture 2">
-            <a:extLst>
-              <a:ext uri="{FF2B5EF4-FFF2-40B4-BE49-F238E27FC236}">
-                <a16:creationId xmlns:a16="http://schemas.microsoft.com/office/drawing/2014/main" id="{E102689E-5F63-4E16-BB81-0C682E98E125}"/>
-              </a:ext>
-            </a:extLst>
-          </p:cNvPr>
-          <p:cNvPicPr>
-            <a:picLocks noChangeAspect="1"/>
-          </p:cNvPicPr>
-          <p:nvPr/>
-        </p:nvPicPr>
-        <p:blipFill>
-          <a:blip r:embed="rId2"/>
-          <a:stretch>
-            <a:fillRect/>
-          </a:stretch>
-        </p:blipFill>
-        <p:spPr>
-          <a:xfrm>
-            <a:off x="370206" y="221229"/>
-            <a:ext cx="3581584" cy="4997707"/>
-          </a:xfrm>
-          <a:prstGeom prst="rect">
-            <a:avLst/>
-          </a:prstGeom>
-        </p:spPr>
-      </p:pic>
-      <p:grpSp>
-        <p:nvGrpSpPr>
-          <p:cNvPr id="12" name="Group 11">
-            <a:extLst>
-              <a:ext uri="{FF2B5EF4-FFF2-40B4-BE49-F238E27FC236}">
-                <a16:creationId xmlns:a16="http://schemas.microsoft.com/office/drawing/2014/main" id="{814D06F3-2211-4DCC-8EFF-110899D1F7FF}"/>
-              </a:ext>
-            </a:extLst>
-          </p:cNvPr>
-          <p:cNvGrpSpPr/>
-          <p:nvPr/>
-        </p:nvGrpSpPr>
-        <p:grpSpPr>
-          <a:xfrm>
-            <a:off x="4292053" y="221229"/>
-            <a:ext cx="7429882" cy="4997707"/>
-            <a:chOff x="4292053" y="221229"/>
-            <a:chExt cx="7429882" cy="4997707"/>
-          </a:xfrm>
-        </p:grpSpPr>
-        <p:pic>
-          <p:nvPicPr>
-            <p:cNvPr id="5" name="Picture 4">
-              <a:extLst>
-                <a:ext uri="{FF2B5EF4-FFF2-40B4-BE49-F238E27FC236}">
-                  <a16:creationId xmlns:a16="http://schemas.microsoft.com/office/drawing/2014/main" id="{66077222-0655-481A-9D53-065A0F5138A4}"/>
-                </a:ext>
-              </a:extLst>
-            </p:cNvPr>
-            <p:cNvPicPr>
-              <a:picLocks noChangeAspect="1"/>
-            </p:cNvPicPr>
-            <p:nvPr/>
-          </p:nvPicPr>
-          <p:blipFill>
-            <a:blip r:embed="rId3"/>
-            <a:stretch>
-              <a:fillRect/>
-            </a:stretch>
-          </p:blipFill>
-          <p:spPr>
-            <a:xfrm>
-              <a:off x="4292053" y="221229"/>
-              <a:ext cx="7429882" cy="4997707"/>
-            </a:xfrm>
-            <a:prstGeom prst="rect">
-              <a:avLst/>
-            </a:prstGeom>
-          </p:spPr>
-        </p:pic>
-        <p:sp>
-          <p:nvSpPr>
-            <p:cNvPr id="6" name="TextBox 5">
-              <a:extLst>
-                <a:ext uri="{FF2B5EF4-FFF2-40B4-BE49-F238E27FC236}">
-                  <a16:creationId xmlns:a16="http://schemas.microsoft.com/office/drawing/2014/main" id="{95DB4729-DED1-4609-B6B7-6D4E63E081C1}"/>
-                </a:ext>
-              </a:extLst>
-            </p:cNvPr>
-            <p:cNvSpPr txBox="1"/>
-            <p:nvPr/>
-          </p:nvSpPr>
-          <p:spPr>
-            <a:xfrm>
-              <a:off x="9851524" y="1717519"/>
-              <a:ext cx="1245564" cy="369332"/>
-            </a:xfrm>
-            <a:prstGeom prst="rect">
-              <a:avLst/>
-            </a:prstGeom>
-            <a:noFill/>
-          </p:spPr>
-          <p:txBody>
-            <a:bodyPr wrap="square" rtlCol="0">
-              <a:spAutoFit/>
-            </a:bodyPr>
-            <a:lstStyle/>
-            <a:p>
-              <a:r>
-                <a:rPr lang="en-US" b="1" dirty="0">
-                  <a:solidFill>
-                    <a:srgbClr val="FB8B00"/>
-                  </a:solidFill>
-                </a:rPr>
-                <a:t>Click these</a:t>
-              </a:r>
-              <a:endParaRPr lang="en-MO" b="1" dirty="0">
-                <a:solidFill>
-                  <a:srgbClr val="FB8B00"/>
-                </a:solidFill>
-              </a:endParaRPr>
-            </a:p>
-          </p:txBody>
-        </p:sp>
-        <p:cxnSp>
-          <p:nvCxnSpPr>
-            <p:cNvPr id="7" name="Straight Arrow Connector 6">
-              <a:extLst>
-                <a:ext uri="{FF2B5EF4-FFF2-40B4-BE49-F238E27FC236}">
-                  <a16:creationId xmlns:a16="http://schemas.microsoft.com/office/drawing/2014/main" id="{29144077-13A5-4E01-BE3C-697E440E9202}"/>
-                </a:ext>
-              </a:extLst>
-            </p:cNvPr>
-            <p:cNvCxnSpPr>
-              <a:cxnSpLocks/>
-              <a:stCxn id="6" idx="1"/>
-            </p:cNvCxnSpPr>
-            <p:nvPr/>
-          </p:nvCxnSpPr>
-          <p:spPr>
-            <a:xfrm flipH="1" flipV="1">
-              <a:off x="9179511" y="1544715"/>
-              <a:ext cx="672013" cy="357470"/>
-            </a:xfrm>
-            <a:prstGeom prst="straightConnector1">
-              <a:avLst/>
-            </a:prstGeom>
-            <a:ln w="28575">
-              <a:solidFill>
-                <a:srgbClr val="FB8B00"/>
-              </a:solidFill>
-              <a:tailEnd type="triangle"/>
-            </a:ln>
-          </p:spPr>
-          <p:style>
-            <a:lnRef idx="1">
-              <a:schemeClr val="accent1"/>
-            </a:lnRef>
-            <a:fillRef idx="0">
-              <a:schemeClr val="accent1"/>
-            </a:fillRef>
-            <a:effectRef idx="0">
-              <a:schemeClr val="accent1"/>
-            </a:effectRef>
-            <a:fontRef idx="minor">
-              <a:schemeClr val="tx1"/>
-            </a:fontRef>
-          </p:style>
-        </p:cxnSp>
-      </p:grpSp>
-    </p:spTree>
-    <p:extLst>
-      <p:ext uri="{BB962C8B-B14F-4D97-AF65-F5344CB8AC3E}">
-        <p14:creationId xmlns:p14="http://schemas.microsoft.com/office/powerpoint/2010/main" val="3711323051"/>
-      </p:ext>
-    </p:extLst>
-  </p:cSld>
-  <p:clrMapOvr>
-    <a:masterClrMapping/>
-  </p:clrMapOvr>
-</p:sld>
-</file>
-
-<file path=ppt/slides/slide5.xml><?xml version="1.0" encoding="utf-8"?>
-<p:sld xmlns:a="http://schemas.openxmlformats.org/drawingml/2006/main" xmlns:r="http://schemas.openxmlformats.org/officeDocument/2006/relationships" xmlns:p="http://schemas.openxmlformats.org/presentationml/2006/main">
-  <p:cSld>
-    <p:spTree>
-      <p:nvGrpSpPr>
-        <p:cNvPr id="1" name=""/>
-        <p:cNvGrpSpPr/>
-        <p:nvPr/>
-      </p:nvGrpSpPr>
-      <p:grpSpPr>
-        <a:xfrm>
-          <a:off x="0" y="0"/>
-          <a:ext cx="0" cy="0"/>
-          <a:chOff x="0" y="0"/>
-          <a:chExt cx="0" cy="0"/>
-        </a:xfrm>
-      </p:grpSpPr>
-      <p:pic>
-        <p:nvPicPr>
-          <p:cNvPr id="3" name="Picture 2">
-            <a:extLst>
-              <a:ext uri="{FF2B5EF4-FFF2-40B4-BE49-F238E27FC236}">
-                <a16:creationId xmlns:a16="http://schemas.microsoft.com/office/drawing/2014/main" id="{2F9C60F4-D233-459D-A95C-DA94C115C992}"/>
-              </a:ext>
-            </a:extLst>
-          </p:cNvPr>
-          <p:cNvPicPr>
-            <a:picLocks noChangeAspect="1"/>
-          </p:cNvPicPr>
-          <p:nvPr/>
-        </p:nvPicPr>
-        <p:blipFill>
-          <a:blip r:embed="rId2"/>
-          <a:stretch>
-            <a:fillRect/>
-          </a:stretch>
-        </p:blipFill>
-        <p:spPr>
-          <a:xfrm>
-            <a:off x="2771604" y="1130182"/>
-            <a:ext cx="6648792" cy="4597636"/>
-          </a:xfrm>
-          <a:prstGeom prst="rect">
-            <a:avLst/>
-          </a:prstGeom>
-        </p:spPr>
-      </p:pic>
-    </p:spTree>
-    <p:extLst>
-      <p:ext uri="{BB962C8B-B14F-4D97-AF65-F5344CB8AC3E}">
-        <p14:creationId xmlns:p14="http://schemas.microsoft.com/office/powerpoint/2010/main" val="1415510290"/>
-      </p:ext>
-    </p:extLst>
-  </p:cSld>
-  <p:clrMapOvr>
-    <a:masterClrMapping/>
-  </p:clrMapOvr>
-</p:sld>
-</file>
-
-<file path=ppt/slides/slide6.xml><?xml version="1.0" encoding="utf-8"?>
-<p:sld xmlns:a="http://schemas.openxmlformats.org/drawingml/2006/main" xmlns:r="http://schemas.openxmlformats.org/officeDocument/2006/relationships" xmlns:p="http://schemas.openxmlformats.org/presentationml/2006/main">
-  <p:cSld>
-    <p:spTree>
-      <p:nvGrpSpPr>
-        <p:cNvPr id="1" name=""/>
-        <p:cNvGrpSpPr/>
-        <p:nvPr/>
-      </p:nvGrpSpPr>
-      <p:grpSpPr>
-        <a:xfrm>
-          <a:off x="0" y="0"/>
-          <a:ext cx="0" cy="0"/>
-          <a:chOff x="0" y="0"/>
-          <a:chExt cx="0" cy="0"/>
-        </a:xfrm>
-      </p:grpSpPr>
-      <p:pic>
-        <p:nvPicPr>
-          <p:cNvPr id="3" name="Picture 2">
-            <a:extLst>
-              <a:ext uri="{FF2B5EF4-FFF2-40B4-BE49-F238E27FC236}">
-                <a16:creationId xmlns:a16="http://schemas.microsoft.com/office/drawing/2014/main" id="{8B802D29-9E84-433A-B4EA-A759A8DB5C1A}"/>
-              </a:ext>
-            </a:extLst>
-          </p:cNvPr>
-          <p:cNvPicPr>
-            <a:picLocks noChangeAspect="1"/>
-          </p:cNvPicPr>
-          <p:nvPr/>
-        </p:nvPicPr>
-        <p:blipFill>
-          <a:blip r:embed="rId2"/>
-          <a:stretch>
-            <a:fillRect/>
-          </a:stretch>
-        </p:blipFill>
-        <p:spPr>
-          <a:xfrm>
-            <a:off x="2006390" y="1488975"/>
-            <a:ext cx="8179220" cy="3880049"/>
-          </a:xfrm>
-          <a:prstGeom prst="rect">
-            <a:avLst/>
-          </a:prstGeom>
-        </p:spPr>
-      </p:pic>
-    </p:spTree>
-    <p:extLst>
-      <p:ext uri="{BB962C8B-B14F-4D97-AF65-F5344CB8AC3E}">
-        <p14:creationId xmlns:p14="http://schemas.microsoft.com/office/powerpoint/2010/main" val="2988114243"/>
-      </p:ext>
-    </p:extLst>
-  </p:cSld>
-  <p:clrMapOvr>
-    <a:masterClrMapping/>
-  </p:clrMapOvr>
-</p:sld>
-</file>
-
 <file path=ppt/theme/theme1.xml><?xml version="1.0" encoding="utf-8"?>
 <a:theme xmlns:a="http://schemas.openxmlformats.org/drawingml/2006/main" name="Office Theme">
   <a:themeElements>

--- a/aquila-ui/public/tutorial.pptx
+++ b/aquila-ui/public/tutorial.pptx
@@ -12,11 +12,7 @@
     <p:sldId id="265" r:id="rId6"/>
     <p:sldId id="266" r:id="rId7"/>
     <p:sldId id="267" r:id="rId8"/>
-    <p:sldId id="257" r:id="rId9"/>
-    <p:sldId id="258" r:id="rId10"/>
-    <p:sldId id="259" r:id="rId11"/>
-    <p:sldId id="260" r:id="rId12"/>
-    <p:sldId id="261" r:id="rId13"/>
+    <p:sldId id="268" r:id="rId9"/>
   </p:sldIdLst>
   <p:sldSz cx="12192000" cy="6858000"/>
   <p:notesSz cx="6858000" cy="9144000"/>
@@ -272,7 +268,7 @@
           <a:p>
             <a:fld id="{89940220-F381-4028-A27E-E8A44F7EE0B3}" type="datetimeFigureOut">
               <a:rPr lang="en-MO" smtClean="0"/>
-              <a:t>13/06/2022</a:t>
+              <a:t>20/06/2022</a:t>
             </a:fld>
             <a:endParaRPr lang="en-MO"/>
           </a:p>
@@ -472,7 +468,7 @@
           <a:p>
             <a:fld id="{89940220-F381-4028-A27E-E8A44F7EE0B3}" type="datetimeFigureOut">
               <a:rPr lang="en-MO" smtClean="0"/>
-              <a:t>13/06/2022</a:t>
+              <a:t>20/06/2022</a:t>
             </a:fld>
             <a:endParaRPr lang="en-MO"/>
           </a:p>
@@ -682,7 +678,7 @@
           <a:p>
             <a:fld id="{89940220-F381-4028-A27E-E8A44F7EE0B3}" type="datetimeFigureOut">
               <a:rPr lang="en-MO" smtClean="0"/>
-              <a:t>13/06/2022</a:t>
+              <a:t>20/06/2022</a:t>
             </a:fld>
             <a:endParaRPr lang="en-MO"/>
           </a:p>
@@ -882,7 +878,7 @@
           <a:p>
             <a:fld id="{89940220-F381-4028-A27E-E8A44F7EE0B3}" type="datetimeFigureOut">
               <a:rPr lang="en-MO" smtClean="0"/>
-              <a:t>13/06/2022</a:t>
+              <a:t>20/06/2022</a:t>
             </a:fld>
             <a:endParaRPr lang="en-MO"/>
           </a:p>
@@ -1158,7 +1154,7 @@
           <a:p>
             <a:fld id="{89940220-F381-4028-A27E-E8A44F7EE0B3}" type="datetimeFigureOut">
               <a:rPr lang="en-MO" smtClean="0"/>
-              <a:t>13/06/2022</a:t>
+              <a:t>20/06/2022</a:t>
             </a:fld>
             <a:endParaRPr lang="en-MO"/>
           </a:p>
@@ -1426,7 +1422,7 @@
           <a:p>
             <a:fld id="{89940220-F381-4028-A27E-E8A44F7EE0B3}" type="datetimeFigureOut">
               <a:rPr lang="en-MO" smtClean="0"/>
-              <a:t>13/06/2022</a:t>
+              <a:t>20/06/2022</a:t>
             </a:fld>
             <a:endParaRPr lang="en-MO"/>
           </a:p>
@@ -1841,7 +1837,7 @@
           <a:p>
             <a:fld id="{89940220-F381-4028-A27E-E8A44F7EE0B3}" type="datetimeFigureOut">
               <a:rPr lang="en-MO" smtClean="0"/>
-              <a:t>13/06/2022</a:t>
+              <a:t>20/06/2022</a:t>
             </a:fld>
             <a:endParaRPr lang="en-MO"/>
           </a:p>
@@ -1983,7 +1979,7 @@
           <a:p>
             <a:fld id="{89940220-F381-4028-A27E-E8A44F7EE0B3}" type="datetimeFigureOut">
               <a:rPr lang="en-MO" smtClean="0"/>
-              <a:t>13/06/2022</a:t>
+              <a:t>20/06/2022</a:t>
             </a:fld>
             <a:endParaRPr lang="en-MO"/>
           </a:p>
@@ -2096,7 +2092,7 @@
           <a:p>
             <a:fld id="{89940220-F381-4028-A27E-E8A44F7EE0B3}" type="datetimeFigureOut">
               <a:rPr lang="en-MO" smtClean="0"/>
-              <a:t>13/06/2022</a:t>
+              <a:t>20/06/2022</a:t>
             </a:fld>
             <a:endParaRPr lang="en-MO"/>
           </a:p>
@@ -2409,7 +2405,7 @@
           <a:p>
             <a:fld id="{89940220-F381-4028-A27E-E8A44F7EE0B3}" type="datetimeFigureOut">
               <a:rPr lang="en-MO" smtClean="0"/>
-              <a:t>13/06/2022</a:t>
+              <a:t>20/06/2022</a:t>
             </a:fld>
             <a:endParaRPr lang="en-MO"/>
           </a:p>
@@ -2698,7 +2694,7 @@
           <a:p>
             <a:fld id="{89940220-F381-4028-A27E-E8A44F7EE0B3}" type="datetimeFigureOut">
               <a:rPr lang="en-MO" smtClean="0"/>
-              <a:t>13/06/2022</a:t>
+              <a:t>20/06/2022</a:t>
             </a:fld>
             <a:endParaRPr lang="en-MO"/>
           </a:p>
@@ -2941,7 +2937,7 @@
           <a:p>
             <a:fld id="{89940220-F381-4028-A27E-E8A44F7EE0B3}" type="datetimeFigureOut">
               <a:rPr lang="en-MO" smtClean="0"/>
-              <a:t>13/06/2022</a:t>
+              <a:t>20/06/2022</a:t>
             </a:fld>
             <a:endParaRPr lang="en-MO"/>
           </a:p>
@@ -3917,326 +3913,6 @@
 </p:sld>
 </file>
 
-<file path=ppt/slides/slide10.xml><?xml version="1.0" encoding="utf-8"?>
-<p:sld xmlns:a="http://schemas.openxmlformats.org/drawingml/2006/main" xmlns:r="http://schemas.openxmlformats.org/officeDocument/2006/relationships" xmlns:p="http://schemas.openxmlformats.org/presentationml/2006/main">
-  <p:cSld>
-    <p:spTree>
-      <p:nvGrpSpPr>
-        <p:cNvPr id="1" name=""/>
-        <p:cNvGrpSpPr/>
-        <p:nvPr/>
-      </p:nvGrpSpPr>
-      <p:grpSpPr>
-        <a:xfrm>
-          <a:off x="0" y="0"/>
-          <a:ext cx="0" cy="0"/>
-          <a:chOff x="0" y="0"/>
-          <a:chExt cx="0" cy="0"/>
-        </a:xfrm>
-      </p:grpSpPr>
-      <p:pic>
-        <p:nvPicPr>
-          <p:cNvPr id="3" name="Picture 2">
-            <a:extLst>
-              <a:ext uri="{FF2B5EF4-FFF2-40B4-BE49-F238E27FC236}">
-                <a16:creationId xmlns:a16="http://schemas.microsoft.com/office/drawing/2014/main" id="{E102689E-5F63-4E16-BB81-0C682E98E125}"/>
-              </a:ext>
-            </a:extLst>
-          </p:cNvPr>
-          <p:cNvPicPr>
-            <a:picLocks noChangeAspect="1"/>
-          </p:cNvPicPr>
-          <p:nvPr/>
-        </p:nvPicPr>
-        <p:blipFill>
-          <a:blip r:embed="rId2"/>
-          <a:stretch>
-            <a:fillRect/>
-          </a:stretch>
-        </p:blipFill>
-        <p:spPr>
-          <a:xfrm>
-            <a:off x="370206" y="221229"/>
-            <a:ext cx="3581584" cy="4997707"/>
-          </a:xfrm>
-          <a:prstGeom prst="rect">
-            <a:avLst/>
-          </a:prstGeom>
-        </p:spPr>
-      </p:pic>
-      <p:grpSp>
-        <p:nvGrpSpPr>
-          <p:cNvPr id="12" name="Group 11">
-            <a:extLst>
-              <a:ext uri="{FF2B5EF4-FFF2-40B4-BE49-F238E27FC236}">
-                <a16:creationId xmlns:a16="http://schemas.microsoft.com/office/drawing/2014/main" id="{814D06F3-2211-4DCC-8EFF-110899D1F7FF}"/>
-              </a:ext>
-            </a:extLst>
-          </p:cNvPr>
-          <p:cNvGrpSpPr/>
-          <p:nvPr/>
-        </p:nvGrpSpPr>
-        <p:grpSpPr>
-          <a:xfrm>
-            <a:off x="4292053" y="221229"/>
-            <a:ext cx="7429882" cy="4997707"/>
-            <a:chOff x="4292053" y="221229"/>
-            <a:chExt cx="7429882" cy="4997707"/>
-          </a:xfrm>
-        </p:grpSpPr>
-        <p:pic>
-          <p:nvPicPr>
-            <p:cNvPr id="5" name="Picture 4">
-              <a:extLst>
-                <a:ext uri="{FF2B5EF4-FFF2-40B4-BE49-F238E27FC236}">
-                  <a16:creationId xmlns:a16="http://schemas.microsoft.com/office/drawing/2014/main" id="{66077222-0655-481A-9D53-065A0F5138A4}"/>
-                </a:ext>
-              </a:extLst>
-            </p:cNvPr>
-            <p:cNvPicPr>
-              <a:picLocks noChangeAspect="1"/>
-            </p:cNvPicPr>
-            <p:nvPr/>
-          </p:nvPicPr>
-          <p:blipFill>
-            <a:blip r:embed="rId3"/>
-            <a:stretch>
-              <a:fillRect/>
-            </a:stretch>
-          </p:blipFill>
-          <p:spPr>
-            <a:xfrm>
-              <a:off x="4292053" y="221229"/>
-              <a:ext cx="7429882" cy="4997707"/>
-            </a:xfrm>
-            <a:prstGeom prst="rect">
-              <a:avLst/>
-            </a:prstGeom>
-          </p:spPr>
-        </p:pic>
-        <p:sp>
-          <p:nvSpPr>
-            <p:cNvPr id="6" name="TextBox 5">
-              <a:extLst>
-                <a:ext uri="{FF2B5EF4-FFF2-40B4-BE49-F238E27FC236}">
-                  <a16:creationId xmlns:a16="http://schemas.microsoft.com/office/drawing/2014/main" id="{95DB4729-DED1-4609-B6B7-6D4E63E081C1}"/>
-                </a:ext>
-              </a:extLst>
-            </p:cNvPr>
-            <p:cNvSpPr txBox="1"/>
-            <p:nvPr/>
-          </p:nvSpPr>
-          <p:spPr>
-            <a:xfrm>
-              <a:off x="9851524" y="1717519"/>
-              <a:ext cx="1245564" cy="369332"/>
-            </a:xfrm>
-            <a:prstGeom prst="rect">
-              <a:avLst/>
-            </a:prstGeom>
-            <a:noFill/>
-          </p:spPr>
-          <p:txBody>
-            <a:bodyPr wrap="square" rtlCol="0">
-              <a:spAutoFit/>
-            </a:bodyPr>
-            <a:lstStyle/>
-            <a:p>
-              <a:r>
-                <a:rPr lang="en-US" b="1" dirty="0">
-                  <a:solidFill>
-                    <a:srgbClr val="FB8B00"/>
-                  </a:solidFill>
-                </a:rPr>
-                <a:t>Click these</a:t>
-              </a:r>
-              <a:endParaRPr lang="en-MO" b="1" dirty="0">
-                <a:solidFill>
-                  <a:srgbClr val="FB8B00"/>
-                </a:solidFill>
-              </a:endParaRPr>
-            </a:p>
-          </p:txBody>
-        </p:sp>
-        <p:cxnSp>
-          <p:nvCxnSpPr>
-            <p:cNvPr id="7" name="Straight Arrow Connector 6">
-              <a:extLst>
-                <a:ext uri="{FF2B5EF4-FFF2-40B4-BE49-F238E27FC236}">
-                  <a16:creationId xmlns:a16="http://schemas.microsoft.com/office/drawing/2014/main" id="{29144077-13A5-4E01-BE3C-697E440E9202}"/>
-                </a:ext>
-              </a:extLst>
-            </p:cNvPr>
-            <p:cNvCxnSpPr>
-              <a:cxnSpLocks/>
-              <a:stCxn id="6" idx="1"/>
-            </p:cNvCxnSpPr>
-            <p:nvPr/>
-          </p:nvCxnSpPr>
-          <p:spPr>
-            <a:xfrm flipH="1" flipV="1">
-              <a:off x="9179511" y="1544715"/>
-              <a:ext cx="672013" cy="357470"/>
-            </a:xfrm>
-            <a:prstGeom prst="straightConnector1">
-              <a:avLst/>
-            </a:prstGeom>
-            <a:ln w="28575">
-              <a:solidFill>
-                <a:srgbClr val="FB8B00"/>
-              </a:solidFill>
-              <a:tailEnd type="triangle"/>
-            </a:ln>
-          </p:spPr>
-          <p:style>
-            <a:lnRef idx="1">
-              <a:schemeClr val="accent1"/>
-            </a:lnRef>
-            <a:fillRef idx="0">
-              <a:schemeClr val="accent1"/>
-            </a:fillRef>
-            <a:effectRef idx="0">
-              <a:schemeClr val="accent1"/>
-            </a:effectRef>
-            <a:fontRef idx="minor">
-              <a:schemeClr val="tx1"/>
-            </a:fontRef>
-          </p:style>
-        </p:cxnSp>
-      </p:grpSp>
-    </p:spTree>
-    <p:extLst>
-      <p:ext uri="{BB962C8B-B14F-4D97-AF65-F5344CB8AC3E}">
-        <p14:creationId xmlns:p14="http://schemas.microsoft.com/office/powerpoint/2010/main" val="3711323051"/>
-      </p:ext>
-    </p:extLst>
-  </p:cSld>
-  <p:clrMapOvr>
-    <a:masterClrMapping/>
-  </p:clrMapOvr>
-</p:sld>
-</file>
-
-<file path=ppt/slides/slide11.xml><?xml version="1.0" encoding="utf-8"?>
-<p:sld xmlns:a="http://schemas.openxmlformats.org/drawingml/2006/main" xmlns:r="http://schemas.openxmlformats.org/officeDocument/2006/relationships" xmlns:p="http://schemas.openxmlformats.org/presentationml/2006/main">
-  <p:cSld>
-    <p:spTree>
-      <p:nvGrpSpPr>
-        <p:cNvPr id="1" name=""/>
-        <p:cNvGrpSpPr/>
-        <p:nvPr/>
-      </p:nvGrpSpPr>
-      <p:grpSpPr>
-        <a:xfrm>
-          <a:off x="0" y="0"/>
-          <a:ext cx="0" cy="0"/>
-          <a:chOff x="0" y="0"/>
-          <a:chExt cx="0" cy="0"/>
-        </a:xfrm>
-      </p:grpSpPr>
-      <p:pic>
-        <p:nvPicPr>
-          <p:cNvPr id="3" name="Picture 2">
-            <a:extLst>
-              <a:ext uri="{FF2B5EF4-FFF2-40B4-BE49-F238E27FC236}">
-                <a16:creationId xmlns:a16="http://schemas.microsoft.com/office/drawing/2014/main" id="{2F9C60F4-D233-459D-A95C-DA94C115C992}"/>
-              </a:ext>
-            </a:extLst>
-          </p:cNvPr>
-          <p:cNvPicPr>
-            <a:picLocks noChangeAspect="1"/>
-          </p:cNvPicPr>
-          <p:nvPr/>
-        </p:nvPicPr>
-        <p:blipFill>
-          <a:blip r:embed="rId2"/>
-          <a:stretch>
-            <a:fillRect/>
-          </a:stretch>
-        </p:blipFill>
-        <p:spPr>
-          <a:xfrm>
-            <a:off x="2771604" y="1130182"/>
-            <a:ext cx="6648792" cy="4597636"/>
-          </a:xfrm>
-          <a:prstGeom prst="rect">
-            <a:avLst/>
-          </a:prstGeom>
-        </p:spPr>
-      </p:pic>
-    </p:spTree>
-    <p:extLst>
-      <p:ext uri="{BB962C8B-B14F-4D97-AF65-F5344CB8AC3E}">
-        <p14:creationId xmlns:p14="http://schemas.microsoft.com/office/powerpoint/2010/main" val="1415510290"/>
-      </p:ext>
-    </p:extLst>
-  </p:cSld>
-  <p:clrMapOvr>
-    <a:masterClrMapping/>
-  </p:clrMapOvr>
-</p:sld>
-</file>
-
-<file path=ppt/slides/slide12.xml><?xml version="1.0" encoding="utf-8"?>
-<p:sld xmlns:a="http://schemas.openxmlformats.org/drawingml/2006/main" xmlns:r="http://schemas.openxmlformats.org/officeDocument/2006/relationships" xmlns:p="http://schemas.openxmlformats.org/presentationml/2006/main">
-  <p:cSld>
-    <p:spTree>
-      <p:nvGrpSpPr>
-        <p:cNvPr id="1" name=""/>
-        <p:cNvGrpSpPr/>
-        <p:nvPr/>
-      </p:nvGrpSpPr>
-      <p:grpSpPr>
-        <a:xfrm>
-          <a:off x="0" y="0"/>
-          <a:ext cx="0" cy="0"/>
-          <a:chOff x="0" y="0"/>
-          <a:chExt cx="0" cy="0"/>
-        </a:xfrm>
-      </p:grpSpPr>
-      <p:pic>
-        <p:nvPicPr>
-          <p:cNvPr id="3" name="Picture 2">
-            <a:extLst>
-              <a:ext uri="{FF2B5EF4-FFF2-40B4-BE49-F238E27FC236}">
-                <a16:creationId xmlns:a16="http://schemas.microsoft.com/office/drawing/2014/main" id="{8B802D29-9E84-433A-B4EA-A759A8DB5C1A}"/>
-              </a:ext>
-            </a:extLst>
-          </p:cNvPr>
-          <p:cNvPicPr>
-            <a:picLocks noChangeAspect="1"/>
-          </p:cNvPicPr>
-          <p:nvPr/>
-        </p:nvPicPr>
-        <p:blipFill>
-          <a:blip r:embed="rId2"/>
-          <a:stretch>
-            <a:fillRect/>
-          </a:stretch>
-        </p:blipFill>
-        <p:spPr>
-          <a:xfrm>
-            <a:off x="2006390" y="1488975"/>
-            <a:ext cx="8179220" cy="3880049"/>
-          </a:xfrm>
-          <a:prstGeom prst="rect">
-            <a:avLst/>
-          </a:prstGeom>
-        </p:spPr>
-      </p:pic>
-    </p:spTree>
-    <p:extLst>
-      <p:ext uri="{BB962C8B-B14F-4D97-AF65-F5344CB8AC3E}">
-        <p14:creationId xmlns:p14="http://schemas.microsoft.com/office/powerpoint/2010/main" val="2988114243"/>
-      </p:ext>
-    </p:extLst>
-  </p:cSld>
-  <p:clrMapOvr>
-    <a:masterClrMapping/>
-  </p:clrMapOvr>
-</p:sld>
-</file>
-
 <file path=ppt/slides/slide2.xml><?xml version="1.0" encoding="utf-8"?>
 <p:sld xmlns:a="http://schemas.openxmlformats.org/drawingml/2006/main" xmlns:r="http://schemas.openxmlformats.org/officeDocument/2006/relationships" xmlns:p="http://schemas.openxmlformats.org/presentationml/2006/main">
   <p:cSld>
@@ -4971,10 +4647,10 @@
       </p:grpSpPr>
       <p:pic>
         <p:nvPicPr>
-          <p:cNvPr id="8" name="Picture 7">
-            <a:extLst>
-              <a:ext uri="{FF2B5EF4-FFF2-40B4-BE49-F238E27FC236}">
-                <a16:creationId xmlns:a16="http://schemas.microsoft.com/office/drawing/2014/main" id="{31BD79E5-771C-3F48-A838-1ACE31756928}"/>
+          <p:cNvPr id="3" name="Picture 2">
+            <a:extLst>
+              <a:ext uri="{FF2B5EF4-FFF2-40B4-BE49-F238E27FC236}">
+                <a16:creationId xmlns:a16="http://schemas.microsoft.com/office/drawing/2014/main" id="{D5B61538-94E3-1750-7F87-FA0BF2F9FB3E}"/>
               </a:ext>
             </a:extLst>
           </p:cNvPr>
@@ -4991,8 +4667,8 @@
         </p:blipFill>
         <p:spPr>
           <a:xfrm>
-            <a:off x="1313013" y="0"/>
-            <a:ext cx="9565974" cy="6858000"/>
+            <a:off x="935827" y="0"/>
+            <a:ext cx="10320345" cy="6858000"/>
           </a:xfrm>
           <a:prstGeom prst="rect">
             <a:avLst/>
@@ -5013,8 +4689,8 @@
         </p:nvSpPr>
         <p:spPr>
           <a:xfrm>
-            <a:off x="4883426" y="1191726"/>
-            <a:ext cx="1751627" cy="461665"/>
+            <a:off x="5641527" y="3934927"/>
+            <a:ext cx="2632896" cy="646331"/>
           </a:xfrm>
           <a:prstGeom prst="rect">
             <a:avLst/>
@@ -5035,7 +4711,7 @@
                 </a:solidFill>
                 <a:latin typeface="IBM Plex Sans" panose="020B0503050203000203" pitchFamily="34" charset="0"/>
               </a:rPr>
-              <a:t>Click to will it and add to preview panel</a:t>
+              <a:t>Click `View` will add the ROI to preview panel and show in following ROI visualization panel</a:t>
             </a:r>
             <a:endParaRPr lang="en-MO" sz="1200" b="1" dirty="0">
               <a:solidFill>
@@ -5046,6 +4722,48 @@
           </a:p>
         </p:txBody>
       </p:sp>
+      <p:cxnSp>
+        <p:nvCxnSpPr>
+          <p:cNvPr id="5" name="Straight Arrow Connector 4">
+            <a:extLst>
+              <a:ext uri="{FF2B5EF4-FFF2-40B4-BE49-F238E27FC236}">
+                <a16:creationId xmlns:a16="http://schemas.microsoft.com/office/drawing/2014/main" id="{B0039A9B-821C-7953-1151-AC3BAF03486E}"/>
+              </a:ext>
+            </a:extLst>
+          </p:cNvPr>
+          <p:cNvCxnSpPr/>
+          <p:nvPr/>
+        </p:nvCxnSpPr>
+        <p:spPr>
+          <a:xfrm flipH="1">
+            <a:off x="5369859" y="2079812"/>
+            <a:ext cx="1120588" cy="2734235"/>
+          </a:xfrm>
+          <a:prstGeom prst="straightConnector1">
+            <a:avLst/>
+          </a:prstGeom>
+          <a:ln w="28575">
+            <a:solidFill>
+              <a:srgbClr val="00B0F0"/>
+            </a:solidFill>
+            <a:tailEnd type="triangle"/>
+          </a:ln>
+        </p:spPr>
+        <p:style>
+          <a:lnRef idx="1">
+            <a:schemeClr val="accent1"/>
+          </a:lnRef>
+          <a:fillRef idx="0">
+            <a:schemeClr val="accent1"/>
+          </a:fillRef>
+          <a:effectRef idx="0">
+            <a:schemeClr val="accent1"/>
+          </a:effectRef>
+          <a:fontRef idx="minor">
+            <a:schemeClr val="tx1"/>
+          </a:fontRef>
+        </p:style>
+      </p:cxnSp>
     </p:spTree>
     <p:extLst>
       <p:ext uri="{BB962C8B-B14F-4D97-AF65-F5344CB8AC3E}">
@@ -5258,10 +4976,10 @@
       </p:grpSpPr>
       <p:pic>
         <p:nvPicPr>
-          <p:cNvPr id="3" name="Picture 2">
-            <a:extLst>
-              <a:ext uri="{FF2B5EF4-FFF2-40B4-BE49-F238E27FC236}">
-                <a16:creationId xmlns:a16="http://schemas.microsoft.com/office/drawing/2014/main" id="{DA92F1F6-6D9C-E4A9-004C-B825491B98ED}"/>
+          <p:cNvPr id="4" name="Picture 3">
+            <a:extLst>
+              <a:ext uri="{FF2B5EF4-FFF2-40B4-BE49-F238E27FC236}">
+                <a16:creationId xmlns:a16="http://schemas.microsoft.com/office/drawing/2014/main" id="{1BC54B6C-9B22-DCF3-F989-38DC97B3E513}"/>
               </a:ext>
             </a:extLst>
           </p:cNvPr>
@@ -5270,15 +4988,16 @@
           </p:cNvPicPr>
           <p:nvPr/>
         </p:nvPicPr>
-        <p:blipFill rotWithShape="1">
+        <p:blipFill>
           <a:blip r:embed="rId2"/>
-          <a:srcRect r="52214"/>
-          <a:stretch/>
+          <a:stretch>
+            <a:fillRect/>
+          </a:stretch>
         </p:blipFill>
         <p:spPr>
           <a:xfrm>
-            <a:off x="193269" y="6626"/>
-            <a:ext cx="2430662" cy="6782149"/>
+            <a:off x="2959768" y="333907"/>
+            <a:ext cx="12192000" cy="6127585"/>
           </a:xfrm>
           <a:prstGeom prst="rect">
             <a:avLst/>
@@ -5287,10 +5006,10 @@
       </p:pic>
       <p:pic>
         <p:nvPicPr>
-          <p:cNvPr id="5" name="Picture 4">
-            <a:extLst>
-              <a:ext uri="{FF2B5EF4-FFF2-40B4-BE49-F238E27FC236}">
-                <a16:creationId xmlns:a16="http://schemas.microsoft.com/office/drawing/2014/main" id="{CA8C2B1B-B54A-8E3B-0F5B-91E90D98E32D}"/>
+          <p:cNvPr id="7" name="Picture 6">
+            <a:extLst>
+              <a:ext uri="{FF2B5EF4-FFF2-40B4-BE49-F238E27FC236}">
+                <a16:creationId xmlns:a16="http://schemas.microsoft.com/office/drawing/2014/main" id="{60611468-BFA6-137E-49C9-70F696156D74}"/>
               </a:ext>
             </a:extLst>
           </p:cNvPr>
@@ -5307,8 +5026,8 @@
         </p:blipFill>
         <p:spPr>
           <a:xfrm>
-            <a:off x="3075736" y="-551"/>
-            <a:ext cx="11195625" cy="6769448"/>
+            <a:off x="801877" y="365835"/>
+            <a:ext cx="2157891" cy="6063729"/>
           </a:xfrm>
           <a:prstGeom prst="rect">
             <a:avLst/>
@@ -5347,10 +5066,10 @@
       </p:grpSpPr>
       <p:pic>
         <p:nvPicPr>
-          <p:cNvPr id="2" name="Picture 1">
-            <a:extLst>
-              <a:ext uri="{FF2B5EF4-FFF2-40B4-BE49-F238E27FC236}">
-                <a16:creationId xmlns:a16="http://schemas.microsoft.com/office/drawing/2014/main" id="{94F9D926-9CA3-46EE-95BF-9DA80A691E34}"/>
+          <p:cNvPr id="3" name="Picture 2">
+            <a:extLst>
+              <a:ext uri="{FF2B5EF4-FFF2-40B4-BE49-F238E27FC236}">
+                <a16:creationId xmlns:a16="http://schemas.microsoft.com/office/drawing/2014/main" id="{21097CAC-4EF8-CD74-C017-2390702FA1D3}"/>
               </a:ext>
             </a:extLst>
           </p:cNvPr>
@@ -5367,338 +5086,20 @@
         </p:blipFill>
         <p:spPr>
           <a:xfrm>
-            <a:off x="126693" y="653907"/>
-            <a:ext cx="11938614" cy="5550185"/>
+            <a:off x="199722" y="481711"/>
+            <a:ext cx="11792556" cy="2076557"/>
           </a:xfrm>
           <a:prstGeom prst="rect">
             <a:avLst/>
           </a:prstGeom>
         </p:spPr>
       </p:pic>
-      <p:sp>
-        <p:nvSpPr>
-          <p:cNvPr id="3" name="Rectangle 2">
-            <a:extLst>
-              <a:ext uri="{FF2B5EF4-FFF2-40B4-BE49-F238E27FC236}">
-                <a16:creationId xmlns:a16="http://schemas.microsoft.com/office/drawing/2014/main" id="{404ADA88-5932-4F1A-A4C9-FE6C5C4BD15B}"/>
-              </a:ext>
-            </a:extLst>
-          </p:cNvPr>
-          <p:cNvSpPr/>
-          <p:nvPr/>
-        </p:nvSpPr>
-        <p:spPr>
-          <a:xfrm>
-            <a:off x="10953009" y="1571370"/>
-            <a:ext cx="825006" cy="355359"/>
-          </a:xfrm>
-          <a:prstGeom prst="rect">
-            <a:avLst/>
-          </a:prstGeom>
-          <a:noFill/>
-          <a:ln w="28575">
-            <a:solidFill>
-              <a:srgbClr val="FB8B00"/>
-            </a:solidFill>
-          </a:ln>
-        </p:spPr>
-        <p:style>
-          <a:lnRef idx="2">
-            <a:schemeClr val="accent1">
-              <a:shade val="50000"/>
-            </a:schemeClr>
-          </a:lnRef>
-          <a:fillRef idx="1">
-            <a:schemeClr val="accent1"/>
-          </a:fillRef>
-          <a:effectRef idx="0">
-            <a:schemeClr val="accent1"/>
-          </a:effectRef>
-          <a:fontRef idx="minor">
-            <a:schemeClr val="lt1"/>
-          </a:fontRef>
-        </p:style>
-        <p:txBody>
-          <a:bodyPr rtlCol="0" anchor="ctr"/>
-          <a:lstStyle/>
-          <a:p>
-            <a:pPr algn="ctr"/>
-            <a:endParaRPr lang="en-MO"/>
-          </a:p>
-        </p:txBody>
-      </p:sp>
-      <p:sp>
-        <p:nvSpPr>
-          <p:cNvPr id="4" name="TextBox 3">
-            <a:extLst>
-              <a:ext uri="{FF2B5EF4-FFF2-40B4-BE49-F238E27FC236}">
-                <a16:creationId xmlns:a16="http://schemas.microsoft.com/office/drawing/2014/main" id="{64BC40FD-9E19-458C-8B4B-83AB4D281D98}"/>
-              </a:ext>
-            </a:extLst>
-          </p:cNvPr>
-          <p:cNvSpPr txBox="1"/>
-          <p:nvPr/>
-        </p:nvSpPr>
-        <p:spPr>
-          <a:xfrm>
-            <a:off x="10580010" y="1232805"/>
-            <a:ext cx="1571003" cy="369332"/>
-          </a:xfrm>
-          <a:prstGeom prst="rect">
-            <a:avLst/>
-          </a:prstGeom>
-          <a:noFill/>
-        </p:spPr>
-        <p:txBody>
-          <a:bodyPr wrap="square" rtlCol="0">
-            <a:spAutoFit/>
-          </a:bodyPr>
-          <a:lstStyle/>
-          <a:p>
-            <a:r>
-              <a:rPr lang="en-US" b="1" dirty="0">
-                <a:solidFill>
-                  <a:srgbClr val="FB8B00"/>
-                </a:solidFill>
-              </a:rPr>
-              <a:t>Search / Filter</a:t>
-            </a:r>
-            <a:endParaRPr lang="en-MO" b="1" dirty="0">
-              <a:solidFill>
-                <a:srgbClr val="FB8B00"/>
-              </a:solidFill>
-            </a:endParaRPr>
-          </a:p>
-        </p:txBody>
-      </p:sp>
-      <p:sp>
-        <p:nvSpPr>
-          <p:cNvPr id="7" name="Rectangle 6">
-            <a:extLst>
-              <a:ext uri="{FF2B5EF4-FFF2-40B4-BE49-F238E27FC236}">
-                <a16:creationId xmlns:a16="http://schemas.microsoft.com/office/drawing/2014/main" id="{7690E6FA-7DCF-460B-9158-3AEB9E577C48}"/>
-              </a:ext>
-            </a:extLst>
-          </p:cNvPr>
-          <p:cNvSpPr/>
-          <p:nvPr/>
-        </p:nvSpPr>
-        <p:spPr>
-          <a:xfrm>
-            <a:off x="9715997" y="2840051"/>
-            <a:ext cx="627412" cy="355359"/>
-          </a:xfrm>
-          <a:prstGeom prst="rect">
-            <a:avLst/>
-          </a:prstGeom>
-          <a:noFill/>
-          <a:ln w="28575">
-            <a:solidFill>
-              <a:srgbClr val="FB8B00"/>
-            </a:solidFill>
-          </a:ln>
-        </p:spPr>
-        <p:style>
-          <a:lnRef idx="2">
-            <a:schemeClr val="accent1">
-              <a:shade val="50000"/>
-            </a:schemeClr>
-          </a:lnRef>
-          <a:fillRef idx="1">
-            <a:schemeClr val="accent1"/>
-          </a:fillRef>
-          <a:effectRef idx="0">
-            <a:schemeClr val="accent1"/>
-          </a:effectRef>
-          <a:fontRef idx="minor">
-            <a:schemeClr val="lt1"/>
-          </a:fontRef>
-        </p:style>
-        <p:txBody>
-          <a:bodyPr rtlCol="0" anchor="ctr"/>
-          <a:lstStyle/>
-          <a:p>
-            <a:pPr algn="ctr"/>
-            <a:endParaRPr lang="en-MO"/>
-          </a:p>
-        </p:txBody>
-      </p:sp>
-      <p:sp>
-        <p:nvSpPr>
-          <p:cNvPr id="8" name="Rectangle 7">
-            <a:extLst>
-              <a:ext uri="{FF2B5EF4-FFF2-40B4-BE49-F238E27FC236}">
-                <a16:creationId xmlns:a16="http://schemas.microsoft.com/office/drawing/2014/main" id="{D6F06D06-ADE4-4CA3-A675-AC0EFB21F982}"/>
-              </a:ext>
-            </a:extLst>
-          </p:cNvPr>
-          <p:cNvSpPr/>
-          <p:nvPr/>
-        </p:nvSpPr>
-        <p:spPr>
-          <a:xfrm>
-            <a:off x="11063844" y="2840050"/>
-            <a:ext cx="554182" cy="355359"/>
-          </a:xfrm>
-          <a:prstGeom prst="rect">
-            <a:avLst/>
-          </a:prstGeom>
-          <a:noFill/>
-          <a:ln w="28575">
-            <a:solidFill>
-              <a:srgbClr val="FB8B00"/>
-            </a:solidFill>
-          </a:ln>
-        </p:spPr>
-        <p:style>
-          <a:lnRef idx="2">
-            <a:schemeClr val="accent1">
-              <a:shade val="50000"/>
-            </a:schemeClr>
-          </a:lnRef>
-          <a:fillRef idx="1">
-            <a:schemeClr val="accent1"/>
-          </a:fillRef>
-          <a:effectRef idx="0">
-            <a:schemeClr val="accent1"/>
-          </a:effectRef>
-          <a:fontRef idx="minor">
-            <a:schemeClr val="lt1"/>
-          </a:fontRef>
-        </p:style>
-        <p:txBody>
-          <a:bodyPr rtlCol="0" anchor="ctr"/>
-          <a:lstStyle/>
-          <a:p>
-            <a:pPr algn="ctr"/>
-            <a:endParaRPr lang="en-MO"/>
-          </a:p>
-        </p:txBody>
-      </p:sp>
-      <p:sp>
-        <p:nvSpPr>
-          <p:cNvPr id="9" name="TextBox 8">
-            <a:extLst>
-              <a:ext uri="{FF2B5EF4-FFF2-40B4-BE49-F238E27FC236}">
-                <a16:creationId xmlns:a16="http://schemas.microsoft.com/office/drawing/2014/main" id="{D10C0FB2-6FD7-490E-8914-EF7749E17B5E}"/>
-              </a:ext>
-            </a:extLst>
-          </p:cNvPr>
-          <p:cNvSpPr txBox="1"/>
-          <p:nvPr/>
-        </p:nvSpPr>
-        <p:spPr>
-          <a:xfrm>
-            <a:off x="10695472" y="2439050"/>
-            <a:ext cx="1412688" cy="369332"/>
-          </a:xfrm>
-          <a:prstGeom prst="rect">
-            <a:avLst/>
-          </a:prstGeom>
-          <a:noFill/>
-        </p:spPr>
-        <p:txBody>
-          <a:bodyPr wrap="square" rtlCol="0">
-            <a:spAutoFit/>
-          </a:bodyPr>
-          <a:lstStyle/>
-          <a:p>
-            <a:r>
-              <a:rPr lang="en-US" b="1" dirty="0">
-                <a:solidFill>
-                  <a:srgbClr val="FB8B00"/>
-                </a:solidFill>
-              </a:rPr>
-              <a:t>View Details</a:t>
-            </a:r>
-            <a:endParaRPr lang="en-MO" b="1" dirty="0">
-              <a:solidFill>
-                <a:srgbClr val="FB8B00"/>
-              </a:solidFill>
-            </a:endParaRPr>
-          </a:p>
-        </p:txBody>
-      </p:sp>
-      <p:sp>
-        <p:nvSpPr>
-          <p:cNvPr id="10" name="TextBox 9">
-            <a:extLst>
-              <a:ext uri="{FF2B5EF4-FFF2-40B4-BE49-F238E27FC236}">
-                <a16:creationId xmlns:a16="http://schemas.microsoft.com/office/drawing/2014/main" id="{DC81E733-6288-4FFE-B6A5-302430870805}"/>
-              </a:ext>
-            </a:extLst>
-          </p:cNvPr>
-          <p:cNvSpPr txBox="1"/>
-          <p:nvPr/>
-        </p:nvSpPr>
-        <p:spPr>
-          <a:xfrm>
-            <a:off x="9438667" y="2439050"/>
-            <a:ext cx="1412688" cy="369332"/>
-          </a:xfrm>
-          <a:prstGeom prst="rect">
-            <a:avLst/>
-          </a:prstGeom>
-          <a:noFill/>
-        </p:spPr>
-        <p:txBody>
-          <a:bodyPr wrap="square" rtlCol="0">
-            <a:spAutoFit/>
-          </a:bodyPr>
-          <a:lstStyle/>
-          <a:p>
-            <a:r>
-              <a:rPr lang="en-US" b="1" dirty="0">
-                <a:solidFill>
-                  <a:srgbClr val="FB8B00"/>
-                </a:solidFill>
-              </a:rPr>
-              <a:t>View Pub</a:t>
-            </a:r>
-            <a:endParaRPr lang="en-MO" b="1" dirty="0">
-              <a:solidFill>
-                <a:srgbClr val="FB8B00"/>
-              </a:solidFill>
-            </a:endParaRPr>
-          </a:p>
-        </p:txBody>
-      </p:sp>
-    </p:spTree>
-    <p:extLst>
-      <p:ext uri="{BB962C8B-B14F-4D97-AF65-F5344CB8AC3E}">
-        <p14:creationId xmlns:p14="http://schemas.microsoft.com/office/powerpoint/2010/main" val="1132511756"/>
-      </p:ext>
-    </p:extLst>
-  </p:cSld>
-  <p:clrMapOvr>
-    <a:masterClrMapping/>
-  </p:clrMapOvr>
-</p:sld>
-</file>
-
-<file path=ppt/slides/slide9.xml><?xml version="1.0" encoding="utf-8"?>
-<p:sld xmlns:a="http://schemas.openxmlformats.org/drawingml/2006/main" xmlns:r="http://schemas.openxmlformats.org/officeDocument/2006/relationships" xmlns:p="http://schemas.openxmlformats.org/presentationml/2006/main">
-  <p:cSld>
-    <p:spTree>
-      <p:nvGrpSpPr>
-        <p:cNvPr id="1" name=""/>
-        <p:cNvGrpSpPr/>
-        <p:nvPr/>
-      </p:nvGrpSpPr>
-      <p:grpSpPr>
-        <a:xfrm>
-          <a:off x="0" y="0"/>
-          <a:ext cx="0" cy="0"/>
-          <a:chOff x="0" y="0"/>
-          <a:chExt cx="0" cy="0"/>
-        </a:xfrm>
-      </p:grpSpPr>
       <p:pic>
         <p:nvPicPr>
-          <p:cNvPr id="7" name="Picture 6">
-            <a:extLst>
-              <a:ext uri="{FF2B5EF4-FFF2-40B4-BE49-F238E27FC236}">
-                <a16:creationId xmlns:a16="http://schemas.microsoft.com/office/drawing/2014/main" id="{A44FFAF9-BD6E-4DED-997D-91A58CEF520B}"/>
+          <p:cNvPr id="5" name="Picture 4">
+            <a:extLst>
+              <a:ext uri="{FF2B5EF4-FFF2-40B4-BE49-F238E27FC236}">
+                <a16:creationId xmlns:a16="http://schemas.microsoft.com/office/drawing/2014/main" id="{1F828848-96C6-3988-591E-BBE257EF7D04}"/>
               </a:ext>
             </a:extLst>
           </p:cNvPr>
@@ -5708,551 +5109,57 @@
           <p:nvPr/>
         </p:nvPicPr>
         <p:blipFill>
-          <a:blip r:embed="rId2"/>
+          <a:blip r:embed="rId3"/>
           <a:stretch>
             <a:fillRect/>
           </a:stretch>
         </p:blipFill>
         <p:spPr>
           <a:xfrm>
-            <a:off x="773503" y="4480425"/>
-            <a:ext cx="3860998" cy="793791"/>
+            <a:off x="777913" y="3429000"/>
+            <a:ext cx="5029458" cy="990651"/>
           </a:xfrm>
           <a:prstGeom prst="rect">
             <a:avLst/>
           </a:prstGeom>
         </p:spPr>
       </p:pic>
-      <p:grpSp>
-        <p:nvGrpSpPr>
-          <p:cNvPr id="31" name="Group 30">
-            <a:extLst>
-              <a:ext uri="{FF2B5EF4-FFF2-40B4-BE49-F238E27FC236}">
-                <a16:creationId xmlns:a16="http://schemas.microsoft.com/office/drawing/2014/main" id="{F74850F2-1E84-43A2-A93B-59EA49E0C748}"/>
-              </a:ext>
-            </a:extLst>
-          </p:cNvPr>
-          <p:cNvGrpSpPr/>
-          <p:nvPr/>
-        </p:nvGrpSpPr>
-        <p:grpSpPr>
-          <a:xfrm>
-            <a:off x="621142" y="140953"/>
-            <a:ext cx="10731842" cy="3665005"/>
-            <a:chOff x="621142" y="140953"/>
-            <a:chExt cx="10731842" cy="3665005"/>
-          </a:xfrm>
-        </p:grpSpPr>
-        <p:pic>
-          <p:nvPicPr>
-            <p:cNvPr id="3" name="Picture 2">
-              <a:extLst>
-                <a:ext uri="{FF2B5EF4-FFF2-40B4-BE49-F238E27FC236}">
-                  <a16:creationId xmlns:a16="http://schemas.microsoft.com/office/drawing/2014/main" id="{940E5759-FB0E-4CCF-8D3C-680B6914486F}"/>
-                </a:ext>
-              </a:extLst>
-            </p:cNvPr>
-            <p:cNvPicPr>
-              <a:picLocks noChangeAspect="1"/>
-            </p:cNvPicPr>
-            <p:nvPr/>
-          </p:nvPicPr>
-          <p:blipFill>
-            <a:blip r:embed="rId3"/>
-            <a:stretch>
-              <a:fillRect/>
-            </a:stretch>
-          </p:blipFill>
-          <p:spPr>
-            <a:xfrm>
-              <a:off x="913210" y="595868"/>
-              <a:ext cx="3721291" cy="3181514"/>
-            </a:xfrm>
-            <a:prstGeom prst="rect">
-              <a:avLst/>
-            </a:prstGeom>
-          </p:spPr>
-        </p:pic>
-        <p:pic>
-          <p:nvPicPr>
-            <p:cNvPr id="5" name="Picture 4">
-              <a:extLst>
-                <a:ext uri="{FF2B5EF4-FFF2-40B4-BE49-F238E27FC236}">
-                  <a16:creationId xmlns:a16="http://schemas.microsoft.com/office/drawing/2014/main" id="{E313E96D-AD63-4FD4-9AE3-B24B7C45D4FA}"/>
-                </a:ext>
-              </a:extLst>
-            </p:cNvPr>
-            <p:cNvPicPr>
-              <a:picLocks noChangeAspect="1"/>
-            </p:cNvPicPr>
-            <p:nvPr/>
-          </p:nvPicPr>
-          <p:blipFill>
-            <a:blip r:embed="rId4"/>
-            <a:stretch>
-              <a:fillRect/>
-            </a:stretch>
-          </p:blipFill>
-          <p:spPr>
-            <a:xfrm>
-              <a:off x="5212218" y="567292"/>
-              <a:ext cx="6140766" cy="3238666"/>
-            </a:xfrm>
-            <a:prstGeom prst="rect">
-              <a:avLst/>
-            </a:prstGeom>
-          </p:spPr>
-        </p:pic>
-        <p:sp>
-          <p:nvSpPr>
-            <p:cNvPr id="10" name="TextBox 9">
-              <a:extLst>
-                <a:ext uri="{FF2B5EF4-FFF2-40B4-BE49-F238E27FC236}">
-                  <a16:creationId xmlns:a16="http://schemas.microsoft.com/office/drawing/2014/main" id="{802D662B-5F7F-42D2-840E-7FE5AB0A1F9C}"/>
-                </a:ext>
-              </a:extLst>
-            </p:cNvPr>
-            <p:cNvSpPr txBox="1"/>
-            <p:nvPr/>
-          </p:nvSpPr>
-          <p:spPr>
-            <a:xfrm>
-              <a:off x="621142" y="1860851"/>
-              <a:ext cx="1999043" cy="369332"/>
-            </a:xfrm>
-            <a:prstGeom prst="rect">
-              <a:avLst/>
-            </a:prstGeom>
-            <a:noFill/>
-          </p:spPr>
-          <p:txBody>
-            <a:bodyPr wrap="square" rtlCol="0">
-              <a:spAutoFit/>
-            </a:bodyPr>
-            <a:lstStyle/>
-            <a:p>
-              <a:r>
-                <a:rPr lang="en-US" b="1" dirty="0">
-                  <a:solidFill>
-                    <a:srgbClr val="FB8B00"/>
-                  </a:solidFill>
-                </a:rPr>
-                <a:t>Check for details</a:t>
-              </a:r>
-              <a:endParaRPr lang="en-MO" b="1" dirty="0">
-                <a:solidFill>
-                  <a:srgbClr val="FB8B00"/>
-                </a:solidFill>
-              </a:endParaRPr>
-            </a:p>
-          </p:txBody>
-        </p:sp>
-        <p:cxnSp>
-          <p:nvCxnSpPr>
-            <p:cNvPr id="11" name="Straight Arrow Connector 10">
-              <a:extLst>
-                <a:ext uri="{FF2B5EF4-FFF2-40B4-BE49-F238E27FC236}">
-                  <a16:creationId xmlns:a16="http://schemas.microsoft.com/office/drawing/2014/main" id="{35726590-903F-41B3-99FC-D27BBF0F1515}"/>
-                </a:ext>
-              </a:extLst>
-            </p:cNvPr>
-            <p:cNvCxnSpPr>
-              <a:cxnSpLocks/>
-            </p:cNvCxnSpPr>
-            <p:nvPr/>
-          </p:nvCxnSpPr>
-          <p:spPr>
-            <a:xfrm flipV="1">
-              <a:off x="1340528" y="1699959"/>
-              <a:ext cx="85467" cy="214725"/>
-            </a:xfrm>
-            <a:prstGeom prst="straightConnector1">
-              <a:avLst/>
-            </a:prstGeom>
-            <a:ln w="28575">
-              <a:solidFill>
-                <a:srgbClr val="FB8B00"/>
-              </a:solidFill>
-              <a:tailEnd type="triangle"/>
-            </a:ln>
-          </p:spPr>
-          <p:style>
-            <a:lnRef idx="1">
-              <a:schemeClr val="accent1"/>
-            </a:lnRef>
-            <a:fillRef idx="0">
-              <a:schemeClr val="accent1"/>
-            </a:fillRef>
-            <a:effectRef idx="0">
-              <a:schemeClr val="accent1"/>
-            </a:effectRef>
-            <a:fontRef idx="minor">
-              <a:schemeClr val="tx1"/>
-            </a:fontRef>
-          </p:style>
-        </p:cxnSp>
-        <p:sp>
-          <p:nvSpPr>
-            <p:cNvPr id="14" name="TextBox 13">
-              <a:extLst>
-                <a:ext uri="{FF2B5EF4-FFF2-40B4-BE49-F238E27FC236}">
-                  <a16:creationId xmlns:a16="http://schemas.microsoft.com/office/drawing/2014/main" id="{CC256876-E902-405E-A276-531B7A306DE5}"/>
-                </a:ext>
-              </a:extLst>
-            </p:cNvPr>
-            <p:cNvSpPr txBox="1"/>
-            <p:nvPr/>
-          </p:nvSpPr>
-          <p:spPr>
-            <a:xfrm>
-              <a:off x="2037886" y="140953"/>
-              <a:ext cx="1999043" cy="369332"/>
-            </a:xfrm>
-            <a:prstGeom prst="rect">
-              <a:avLst/>
-            </a:prstGeom>
-            <a:noFill/>
-          </p:spPr>
-          <p:txBody>
-            <a:bodyPr wrap="square" rtlCol="0">
-              <a:spAutoFit/>
-            </a:bodyPr>
-            <a:lstStyle/>
-            <a:p>
-              <a:pPr algn="ctr"/>
-              <a:r>
-                <a:rPr lang="en-US" b="1" dirty="0">
-                  <a:solidFill>
-                    <a:srgbClr val="FB8B00"/>
-                  </a:solidFill>
-                </a:rPr>
-                <a:t>Before Upload</a:t>
-              </a:r>
-              <a:endParaRPr lang="en-MO" b="1" dirty="0">
-                <a:solidFill>
-                  <a:srgbClr val="FB8B00"/>
-                </a:solidFill>
-              </a:endParaRPr>
-            </a:p>
-          </p:txBody>
-        </p:sp>
-        <p:sp>
-          <p:nvSpPr>
-            <p:cNvPr id="15" name="TextBox 14">
-              <a:extLst>
-                <a:ext uri="{FF2B5EF4-FFF2-40B4-BE49-F238E27FC236}">
-                  <a16:creationId xmlns:a16="http://schemas.microsoft.com/office/drawing/2014/main" id="{409694DA-8671-4804-9B27-247D2AD16025}"/>
-                </a:ext>
-              </a:extLst>
-            </p:cNvPr>
-            <p:cNvSpPr txBox="1"/>
-            <p:nvPr/>
-          </p:nvSpPr>
-          <p:spPr>
-            <a:xfrm>
-              <a:off x="6922084" y="140953"/>
-              <a:ext cx="1999043" cy="369332"/>
-            </a:xfrm>
-            <a:prstGeom prst="rect">
-              <a:avLst/>
-            </a:prstGeom>
-            <a:noFill/>
-          </p:spPr>
-          <p:txBody>
-            <a:bodyPr wrap="square" rtlCol="0">
-              <a:spAutoFit/>
-            </a:bodyPr>
-            <a:lstStyle/>
-            <a:p>
-              <a:pPr algn="ctr"/>
-              <a:r>
-                <a:rPr lang="en-US" b="1" dirty="0">
-                  <a:solidFill>
-                    <a:srgbClr val="FB8B00"/>
-                  </a:solidFill>
-                </a:rPr>
-                <a:t>After Upload</a:t>
-              </a:r>
-              <a:endParaRPr lang="en-MO" b="1" dirty="0">
-                <a:solidFill>
-                  <a:srgbClr val="FB8B00"/>
-                </a:solidFill>
-              </a:endParaRPr>
-            </a:p>
-          </p:txBody>
-        </p:sp>
-        <p:sp>
-          <p:nvSpPr>
-            <p:cNvPr id="16" name="TextBox 15">
-              <a:extLst>
-                <a:ext uri="{FF2B5EF4-FFF2-40B4-BE49-F238E27FC236}">
-                  <a16:creationId xmlns:a16="http://schemas.microsoft.com/office/drawing/2014/main" id="{C9C22C31-B94B-4626-935D-35168B32E443}"/>
-                </a:ext>
-              </a:extLst>
-            </p:cNvPr>
-            <p:cNvSpPr txBox="1"/>
-            <p:nvPr/>
-          </p:nvSpPr>
-          <p:spPr>
-            <a:xfrm>
-              <a:off x="10033771" y="1808415"/>
-              <a:ext cx="1245021" cy="369332"/>
-            </a:xfrm>
-            <a:prstGeom prst="rect">
-              <a:avLst/>
-            </a:prstGeom>
-            <a:noFill/>
-          </p:spPr>
-          <p:txBody>
-            <a:bodyPr wrap="square" rtlCol="0">
-              <a:spAutoFit/>
-            </a:bodyPr>
-            <a:lstStyle/>
-            <a:p>
-              <a:r>
-                <a:rPr lang="en-US" b="1" dirty="0">
-                  <a:solidFill>
-                    <a:srgbClr val="FB8B00"/>
-                  </a:solidFill>
-                </a:rPr>
-                <a:t>To delete</a:t>
-              </a:r>
-              <a:endParaRPr lang="en-MO" b="1" dirty="0">
-                <a:solidFill>
-                  <a:srgbClr val="FB8B00"/>
-                </a:solidFill>
-              </a:endParaRPr>
-            </a:p>
-          </p:txBody>
-        </p:sp>
-        <p:cxnSp>
-          <p:nvCxnSpPr>
-            <p:cNvPr id="17" name="Straight Arrow Connector 16">
-              <a:extLst>
-                <a:ext uri="{FF2B5EF4-FFF2-40B4-BE49-F238E27FC236}">
-                  <a16:creationId xmlns:a16="http://schemas.microsoft.com/office/drawing/2014/main" id="{60211640-1D4F-4A3B-920D-F50A94C5AF6E}"/>
-                </a:ext>
-              </a:extLst>
-            </p:cNvPr>
-            <p:cNvCxnSpPr>
-              <a:cxnSpLocks/>
-            </p:cNvCxnSpPr>
-            <p:nvPr/>
-          </p:nvCxnSpPr>
-          <p:spPr>
-            <a:xfrm flipH="1" flipV="1">
-              <a:off x="10473822" y="1681638"/>
-              <a:ext cx="206017" cy="171167"/>
-            </a:xfrm>
-            <a:prstGeom prst="straightConnector1">
-              <a:avLst/>
-            </a:prstGeom>
-            <a:ln w="28575">
-              <a:solidFill>
-                <a:srgbClr val="FB8B00"/>
-              </a:solidFill>
-              <a:tailEnd type="triangle"/>
-            </a:ln>
-          </p:spPr>
-          <p:style>
-            <a:lnRef idx="1">
-              <a:schemeClr val="accent1"/>
-            </a:lnRef>
-            <a:fillRef idx="0">
-              <a:schemeClr val="accent1"/>
-            </a:fillRef>
-            <a:effectRef idx="0">
-              <a:schemeClr val="accent1"/>
-            </a:effectRef>
-            <a:fontRef idx="minor">
-              <a:schemeClr val="tx1"/>
-            </a:fontRef>
-          </p:style>
-        </p:cxnSp>
-        <p:cxnSp>
-          <p:nvCxnSpPr>
-            <p:cNvPr id="19" name="Straight Arrow Connector 18">
-              <a:extLst>
-                <a:ext uri="{FF2B5EF4-FFF2-40B4-BE49-F238E27FC236}">
-                  <a16:creationId xmlns:a16="http://schemas.microsoft.com/office/drawing/2014/main" id="{3C0354CA-FCF0-44BA-9825-3D6026DDC359}"/>
-                </a:ext>
-              </a:extLst>
-            </p:cNvPr>
-            <p:cNvCxnSpPr>
-              <a:cxnSpLocks/>
-            </p:cNvCxnSpPr>
-            <p:nvPr/>
-          </p:nvCxnSpPr>
-          <p:spPr>
-            <a:xfrm>
-              <a:off x="4723280" y="1583784"/>
-              <a:ext cx="479037" cy="0"/>
-            </a:xfrm>
-            <a:prstGeom prst="straightConnector1">
-              <a:avLst/>
-            </a:prstGeom>
-            <a:ln w="28575">
-              <a:solidFill>
-                <a:srgbClr val="FB8B00"/>
-              </a:solidFill>
-              <a:prstDash val="solid"/>
-              <a:tailEnd type="triangle"/>
-            </a:ln>
-          </p:spPr>
-          <p:style>
-            <a:lnRef idx="1">
-              <a:schemeClr val="accent1"/>
-            </a:lnRef>
-            <a:fillRef idx="0">
-              <a:schemeClr val="accent1"/>
-            </a:fillRef>
-            <a:effectRef idx="0">
-              <a:schemeClr val="accent1"/>
-            </a:effectRef>
-            <a:fontRef idx="minor">
-              <a:schemeClr val="tx1"/>
-            </a:fontRef>
-          </p:style>
-        </p:cxnSp>
-        <p:cxnSp>
-          <p:nvCxnSpPr>
-            <p:cNvPr id="21" name="Straight Arrow Connector 20">
-              <a:extLst>
-                <a:ext uri="{FF2B5EF4-FFF2-40B4-BE49-F238E27FC236}">
-                  <a16:creationId xmlns:a16="http://schemas.microsoft.com/office/drawing/2014/main" id="{BB540157-31E1-4317-BFF5-C9DD59DA1507}"/>
-                </a:ext>
-              </a:extLst>
-            </p:cNvPr>
-            <p:cNvCxnSpPr>
-              <a:cxnSpLocks/>
-            </p:cNvCxnSpPr>
-            <p:nvPr/>
-          </p:nvCxnSpPr>
-          <p:spPr>
-            <a:xfrm>
-              <a:off x="4723280" y="3351920"/>
-              <a:ext cx="479037" cy="0"/>
-            </a:xfrm>
-            <a:prstGeom prst="straightConnector1">
-              <a:avLst/>
-            </a:prstGeom>
-            <a:ln w="28575">
-              <a:solidFill>
-                <a:srgbClr val="FB8B00"/>
-              </a:solidFill>
-              <a:prstDash val="solid"/>
-              <a:tailEnd type="triangle"/>
-            </a:ln>
-          </p:spPr>
-          <p:style>
-            <a:lnRef idx="1">
-              <a:schemeClr val="accent1"/>
-            </a:lnRef>
-            <a:fillRef idx="0">
-              <a:schemeClr val="accent1"/>
-            </a:fillRef>
-            <a:effectRef idx="0">
-              <a:schemeClr val="accent1"/>
-            </a:effectRef>
-            <a:fontRef idx="minor">
-              <a:schemeClr val="tx1"/>
-            </a:fontRef>
-          </p:style>
-        </p:cxnSp>
-        <p:cxnSp>
-          <p:nvCxnSpPr>
-            <p:cNvPr id="22" name="Straight Arrow Connector 21">
-              <a:extLst>
-                <a:ext uri="{FF2B5EF4-FFF2-40B4-BE49-F238E27FC236}">
-                  <a16:creationId xmlns:a16="http://schemas.microsoft.com/office/drawing/2014/main" id="{76983EAE-A708-4146-8367-6B5888047B0E}"/>
-                </a:ext>
-              </a:extLst>
-            </p:cNvPr>
-            <p:cNvCxnSpPr>
-              <a:cxnSpLocks/>
-            </p:cNvCxnSpPr>
-            <p:nvPr/>
-          </p:nvCxnSpPr>
-          <p:spPr>
-            <a:xfrm>
-              <a:off x="4723280" y="2439000"/>
-              <a:ext cx="479037" cy="0"/>
-            </a:xfrm>
-            <a:prstGeom prst="straightConnector1">
-              <a:avLst/>
-            </a:prstGeom>
-            <a:ln w="28575">
-              <a:solidFill>
-                <a:srgbClr val="FB8B00"/>
-              </a:solidFill>
-              <a:prstDash val="solid"/>
-              <a:tailEnd type="triangle"/>
-            </a:ln>
-          </p:spPr>
-          <p:style>
-            <a:lnRef idx="1">
-              <a:schemeClr val="accent1"/>
-            </a:lnRef>
-            <a:fillRef idx="0">
-              <a:schemeClr val="accent1"/>
-            </a:fillRef>
-            <a:effectRef idx="0">
-              <a:schemeClr val="accent1"/>
-            </a:effectRef>
-            <a:fontRef idx="minor">
-              <a:schemeClr val="tx1"/>
-            </a:fontRef>
-          </p:style>
-        </p:cxnSp>
-        <p:cxnSp>
-          <p:nvCxnSpPr>
-            <p:cNvPr id="24" name="Straight Connector 23">
-              <a:extLst>
-                <a:ext uri="{FF2B5EF4-FFF2-40B4-BE49-F238E27FC236}">
-                  <a16:creationId xmlns:a16="http://schemas.microsoft.com/office/drawing/2014/main" id="{54C8B779-528E-48CD-852F-6B59653E17FA}"/>
-                </a:ext>
-              </a:extLst>
-            </p:cNvPr>
-            <p:cNvCxnSpPr/>
-            <p:nvPr/>
-          </p:nvCxnSpPr>
-          <p:spPr>
-            <a:xfrm>
-              <a:off x="4910248" y="1147299"/>
-              <a:ext cx="0" cy="2583402"/>
-            </a:xfrm>
-            <a:prstGeom prst="line">
-              <a:avLst/>
-            </a:prstGeom>
-            <a:ln w="19050">
-              <a:solidFill>
-                <a:srgbClr val="FB8B00"/>
-              </a:solidFill>
-              <a:prstDash val="sysDash"/>
-            </a:ln>
-          </p:spPr>
-          <p:style>
-            <a:lnRef idx="1">
-              <a:schemeClr val="accent1"/>
-            </a:lnRef>
-            <a:fillRef idx="0">
-              <a:schemeClr val="accent1"/>
-            </a:fillRef>
-            <a:effectRef idx="0">
-              <a:schemeClr val="accent1"/>
-            </a:effectRef>
-            <a:fontRef idx="minor">
-              <a:schemeClr val="tx1"/>
-            </a:fontRef>
-          </p:style>
-        </p:cxnSp>
-      </p:grpSp>
       <p:pic>
         <p:nvPicPr>
-          <p:cNvPr id="27" name="Picture 26">
-            <a:extLst>
-              <a:ext uri="{FF2B5EF4-FFF2-40B4-BE49-F238E27FC236}">
-                <a16:creationId xmlns:a16="http://schemas.microsoft.com/office/drawing/2014/main" id="{224FA32E-ACF5-45A7-8E19-EC0475209DCC}"/>
+          <p:cNvPr id="7" name="Picture 6">
+            <a:extLst>
+              <a:ext uri="{FF2B5EF4-FFF2-40B4-BE49-F238E27FC236}">
+                <a16:creationId xmlns:a16="http://schemas.microsoft.com/office/drawing/2014/main" id="{6108E437-F36A-8896-2804-B34E6E5580D2}"/>
+              </a:ext>
+            </a:extLst>
+          </p:cNvPr>
+          <p:cNvPicPr>
+            <a:picLocks noChangeAspect="1"/>
+          </p:cNvPicPr>
+          <p:nvPr/>
+        </p:nvPicPr>
+        <p:blipFill>
+          <a:blip r:embed="rId4"/>
+          <a:stretch>
+            <a:fillRect/>
+          </a:stretch>
+        </p:blipFill>
+        <p:spPr>
+          <a:xfrm>
+            <a:off x="777913" y="4610898"/>
+            <a:ext cx="5054860" cy="1765391"/>
+          </a:xfrm>
+          <a:prstGeom prst="rect">
+            <a:avLst/>
+          </a:prstGeom>
+        </p:spPr>
+      </p:pic>
+      <p:pic>
+        <p:nvPicPr>
+          <p:cNvPr id="9" name="Picture 8">
+            <a:extLst>
+              <a:ext uri="{FF2B5EF4-FFF2-40B4-BE49-F238E27FC236}">
+                <a16:creationId xmlns:a16="http://schemas.microsoft.com/office/drawing/2014/main" id="{D36E02E4-98DC-2370-157C-ECA75DEE34BC}"/>
               </a:ext>
             </a:extLst>
           </p:cNvPr>
@@ -6269,121 +5176,109 @@
         </p:blipFill>
         <p:spPr>
           <a:xfrm>
-            <a:off x="621142" y="5593064"/>
-            <a:ext cx="5518434" cy="768389"/>
+            <a:off x="6086474" y="3640655"/>
+            <a:ext cx="5905804" cy="2584583"/>
           </a:xfrm>
           <a:prstGeom prst="rect">
             <a:avLst/>
           </a:prstGeom>
         </p:spPr>
       </p:pic>
-      <p:grpSp>
-        <p:nvGrpSpPr>
-          <p:cNvPr id="32" name="Group 31">
-            <a:extLst>
-              <a:ext uri="{FF2B5EF4-FFF2-40B4-BE49-F238E27FC236}">
-                <a16:creationId xmlns:a16="http://schemas.microsoft.com/office/drawing/2014/main" id="{9F2FF84C-A65A-4D10-9709-E377CC0EEFF0}"/>
-              </a:ext>
-            </a:extLst>
-          </p:cNvPr>
-          <p:cNvGrpSpPr/>
+      <p:sp>
+        <p:nvSpPr>
+          <p:cNvPr id="10" name="TextBox 9">
+            <a:extLst>
+              <a:ext uri="{FF2B5EF4-FFF2-40B4-BE49-F238E27FC236}">
+                <a16:creationId xmlns:a16="http://schemas.microsoft.com/office/drawing/2014/main" id="{8AABDF5F-6566-D1BF-4D7A-53F522E94A91}"/>
+              </a:ext>
+            </a:extLst>
+          </p:cNvPr>
+          <p:cNvSpPr txBox="1"/>
           <p:nvPr/>
-        </p:nvGrpSpPr>
-        <p:grpSpPr>
-          <a:xfrm>
-            <a:off x="6339719" y="4331768"/>
-            <a:ext cx="5162815" cy="1689187"/>
-            <a:chOff x="6339719" y="4331768"/>
-            <a:chExt cx="5162815" cy="1689187"/>
-          </a:xfrm>
-        </p:grpSpPr>
-        <p:pic>
-          <p:nvPicPr>
-            <p:cNvPr id="29" name="Picture 28">
-              <a:extLst>
-                <a:ext uri="{FF2B5EF4-FFF2-40B4-BE49-F238E27FC236}">
-                  <a16:creationId xmlns:a16="http://schemas.microsoft.com/office/drawing/2014/main" id="{C33A66CD-0ADC-4373-8F2A-BF7E62383E8B}"/>
-                </a:ext>
-              </a:extLst>
-            </p:cNvPr>
-            <p:cNvPicPr>
-              <a:picLocks noChangeAspect="1"/>
-            </p:cNvPicPr>
-            <p:nvPr/>
-          </p:nvPicPr>
-          <p:blipFill>
-            <a:blip r:embed="rId6"/>
-            <a:stretch>
-              <a:fillRect/>
-            </a:stretch>
-          </p:blipFill>
-          <p:spPr>
-            <a:xfrm>
-              <a:off x="6339719" y="4331768"/>
-              <a:ext cx="5162815" cy="1689187"/>
-            </a:xfrm>
-            <a:prstGeom prst="rect">
-              <a:avLst/>
-            </a:prstGeom>
-          </p:spPr>
-        </p:pic>
-        <p:sp>
-          <p:nvSpPr>
-            <p:cNvPr id="30" name="Rectangle 29">
-              <a:extLst>
-                <a:ext uri="{FF2B5EF4-FFF2-40B4-BE49-F238E27FC236}">
-                  <a16:creationId xmlns:a16="http://schemas.microsoft.com/office/drawing/2014/main" id="{5D9EE746-242F-472E-8F19-3FB4C3DECBE7}"/>
-                </a:ext>
-              </a:extLst>
-            </p:cNvPr>
-            <p:cNvSpPr/>
-            <p:nvPr/>
-          </p:nvSpPr>
-          <p:spPr>
-            <a:xfrm>
-              <a:off x="6764784" y="4971495"/>
-              <a:ext cx="1669002" cy="239697"/>
-            </a:xfrm>
-            <a:prstGeom prst="rect">
-              <a:avLst/>
-            </a:prstGeom>
-            <a:noFill/>
-            <a:ln w="28575">
+        </p:nvSpPr>
+        <p:spPr>
+          <a:xfrm>
+            <a:off x="99086" y="56341"/>
+            <a:ext cx="2632896" cy="276999"/>
+          </a:xfrm>
+          <a:prstGeom prst="rect">
+            <a:avLst/>
+          </a:prstGeom>
+          <a:noFill/>
+        </p:spPr>
+        <p:txBody>
+          <a:bodyPr wrap="square" rtlCol="0">
+            <a:spAutoFit/>
+          </a:bodyPr>
+          <a:lstStyle/>
+          <a:p>
+            <a:pPr algn="ctr"/>
+            <a:r>
+              <a:rPr lang="en-US" sz="1200" b="1" dirty="0">
+                <a:solidFill>
+                  <a:srgbClr val="00B0F0"/>
+                </a:solidFill>
+                <a:latin typeface="IBM Plex Sans" panose="020B0503050203000203" pitchFamily="34" charset="0"/>
+              </a:rPr>
+              <a:t>Click to view file specifications</a:t>
+            </a:r>
+            <a:endParaRPr lang="en-MO" sz="1200" b="1" dirty="0">
               <a:solidFill>
-                <a:srgbClr val="FB8B00"/>
+                <a:srgbClr val="00B0F0"/>
               </a:solidFill>
-            </a:ln>
-          </p:spPr>
-          <p:style>
-            <a:lnRef idx="2">
-              <a:schemeClr val="accent1">
-                <a:shade val="50000"/>
-              </a:schemeClr>
-            </a:lnRef>
-            <a:fillRef idx="1">
-              <a:schemeClr val="accent1"/>
-            </a:fillRef>
-            <a:effectRef idx="0">
-              <a:schemeClr val="accent1"/>
-            </a:effectRef>
-            <a:fontRef idx="minor">
-              <a:schemeClr val="lt1"/>
-            </a:fontRef>
-          </p:style>
-          <p:txBody>
-            <a:bodyPr rtlCol="0" anchor="ctr"/>
-            <a:lstStyle/>
-            <a:p>
-              <a:pPr algn="ctr"/>
-              <a:endParaRPr lang="en-MO"/>
-            </a:p>
-          </p:txBody>
-        </p:sp>
-      </p:grpSp>
+              <a:latin typeface="IBM Plex Sans" panose="020B0503050203000203" pitchFamily="34" charset="0"/>
+            </a:endParaRPr>
+          </a:p>
+        </p:txBody>
+      </p:sp>
+      <p:cxnSp>
+        <p:nvCxnSpPr>
+          <p:cNvPr id="11" name="Straight Arrow Connector 10">
+            <a:extLst>
+              <a:ext uri="{FF2B5EF4-FFF2-40B4-BE49-F238E27FC236}">
+                <a16:creationId xmlns:a16="http://schemas.microsoft.com/office/drawing/2014/main" id="{C954FDA9-FFA3-84BE-A1B4-9E3C421E97C0}"/>
+              </a:ext>
+            </a:extLst>
+          </p:cNvPr>
+          <p:cNvCxnSpPr>
+            <a:cxnSpLocks/>
+          </p:cNvCxnSpPr>
+          <p:nvPr/>
+        </p:nvCxnSpPr>
+        <p:spPr>
+          <a:xfrm flipH="1">
+            <a:off x="777913" y="290464"/>
+            <a:ext cx="271668" cy="232789"/>
+          </a:xfrm>
+          <a:prstGeom prst="straightConnector1">
+            <a:avLst/>
+          </a:prstGeom>
+          <a:ln w="28575">
+            <a:solidFill>
+              <a:srgbClr val="00B0F0"/>
+            </a:solidFill>
+            <a:tailEnd type="triangle"/>
+          </a:ln>
+        </p:spPr>
+        <p:style>
+          <a:lnRef idx="1">
+            <a:schemeClr val="accent1"/>
+          </a:lnRef>
+          <a:fillRef idx="0">
+            <a:schemeClr val="accent1"/>
+          </a:fillRef>
+          <a:effectRef idx="0">
+            <a:schemeClr val="accent1"/>
+          </a:effectRef>
+          <a:fontRef idx="minor">
+            <a:schemeClr val="tx1"/>
+          </a:fontRef>
+        </p:style>
+      </p:cxnSp>
     </p:spTree>
     <p:extLst>
       <p:ext uri="{BB962C8B-B14F-4D97-AF65-F5344CB8AC3E}">
-        <p14:creationId xmlns:p14="http://schemas.microsoft.com/office/powerpoint/2010/main" val="350443253"/>
+        <p14:creationId xmlns:p14="http://schemas.microsoft.com/office/powerpoint/2010/main" val="850543319"/>
       </p:ext>
     </p:extLst>
   </p:cSld>
